--- a/Notes/Reult Anaylsis.pptx
+++ b/Notes/Reult Anaylsis.pptx
@@ -5,7 +5,7 @@
     <p:sldMasterId id="2147483648" r:id="rId1"/>
   </p:sldMasterIdLst>
   <p:notesMasterIdLst>
-    <p:notesMasterId r:id="rId10"/>
+    <p:notesMasterId r:id="rId11"/>
   </p:notesMasterIdLst>
   <p:sldIdLst>
     <p:sldId id="256" r:id="rId2"/>
@@ -16,6 +16,7 @@
     <p:sldId id="260" r:id="rId7"/>
     <p:sldId id="262" r:id="rId8"/>
     <p:sldId id="263" r:id="rId9"/>
+    <p:sldId id="264" r:id="rId10"/>
   </p:sldIdLst>
   <p:sldSz cx="12192000" cy="6858000"/>
   <p:notesSz cx="6858000" cy="9144000"/>
@@ -129,12 +130,20 @@
           </p14:sldIdLst>
         </p14:section>
         <p14:section name="Results" id="{AFBF199B-84EA-3148-8608-DD0D72CE670F}">
+          <p14:sldIdLst/>
+        </p14:section>
+        <p14:section name="BaseLines" id="{9C381D0D-52A7-6F4E-B9D6-A0D45E92687D}">
           <p14:sldIdLst>
             <p14:sldId id="259"/>
             <p14:sldId id="261"/>
             <p14:sldId id="260"/>
+          </p14:sldIdLst>
+        </p14:section>
+        <p14:section name="Modified" id="{7C34D5B1-008F-8D4E-B821-B11A02E307F7}">
+          <p14:sldIdLst>
             <p14:sldId id="262"/>
             <p14:sldId id="263"/>
+            <p14:sldId id="264"/>
           </p14:sldIdLst>
         </p14:section>
       </p14:sectionLst>
@@ -4163,7 +4172,7 @@
           <p:nvPr>
             <p:extLst>
               <p:ext uri="{D42A27DB-BD31-4B8C-83A1-F6EECF244321}">
-                <p14:modId xmlns:p14="http://schemas.microsoft.com/office/powerpoint/2010/main" val="461158611"/>
+                <p14:modId xmlns:p14="http://schemas.microsoft.com/office/powerpoint/2010/main" val="413211770"/>
               </p:ext>
             </p:extLst>
           </p:nvPr>
@@ -5215,90 +5224,20 @@
                     <a:lstStyle/>
                     <a:p>
                       <a:r>
-                        <a:rPr lang="en-US" altLang="ko-KR" sz="1000">
-                          <a:latin typeface="Apple SD Gothic Neo" panose="02000300000000000000" pitchFamily="2" charset="-127"/>
-                          <a:ea typeface="Apple SD Gothic Neo" panose="02000300000000000000" pitchFamily="2" charset="-127"/>
-                        </a:rPr>
-                        <a:t>5</a:t>
-                      </a:r>
-                      <a:r>
-                        <a:rPr lang="ko-KR" altLang="en-US" sz="1000">
-                          <a:latin typeface="Apple SD Gothic Neo" panose="02000300000000000000" pitchFamily="2" charset="-127"/>
-                          <a:ea typeface="Apple SD Gothic Neo" panose="02000300000000000000" pitchFamily="2" charset="-127"/>
-                        </a:rPr>
-                        <a:t>만</a:t>
-                      </a:r>
-                      <a:r>
-                        <a:rPr lang="en-US" altLang="ko-KR" sz="1000">
-                          <a:latin typeface="Apple SD Gothic Neo" panose="02000300000000000000" pitchFamily="2" charset="-127"/>
-                          <a:ea typeface="Apple SD Gothic Neo" panose="02000300000000000000" pitchFamily="2" charset="-127"/>
-                        </a:rPr>
-                        <a:t>,</a:t>
-                      </a:r>
-                      <a:r>
-                        <a:rPr lang="ko-KR" altLang="en-US" sz="1000">
-                          <a:latin typeface="Apple SD Gothic Neo" panose="02000300000000000000" pitchFamily="2" charset="-127"/>
-                          <a:ea typeface="Apple SD Gothic Neo" panose="02000300000000000000" pitchFamily="2" charset="-127"/>
-                        </a:rPr>
-                        <a:t> </a:t>
-                      </a:r>
-                      <a:r>
-                        <a:rPr lang="en-US" altLang="ko-KR" sz="1000">
-                          <a:latin typeface="Apple SD Gothic Neo" panose="02000300000000000000" pitchFamily="2" charset="-127"/>
-                          <a:ea typeface="Apple SD Gothic Neo" panose="02000300000000000000" pitchFamily="2" charset="-127"/>
-                        </a:rPr>
-                        <a:t>10</a:t>
-                      </a:r>
-                      <a:r>
-                        <a:rPr lang="ko-KR" altLang="en-US" sz="1000">
-                          <a:latin typeface="Apple SD Gothic Neo" panose="02000300000000000000" pitchFamily="2" charset="-127"/>
-                          <a:ea typeface="Apple SD Gothic Neo" panose="02000300000000000000" pitchFamily="2" charset="-127"/>
-                        </a:rPr>
-                        <a:t>만</a:t>
-                      </a:r>
-                      <a:r>
-                        <a:rPr lang="en-US" altLang="ko-KR" sz="1000">
-                          <a:latin typeface="Apple SD Gothic Neo" panose="02000300000000000000" pitchFamily="2" charset="-127"/>
-                          <a:ea typeface="Apple SD Gothic Neo" panose="02000300000000000000" pitchFamily="2" charset="-127"/>
-                        </a:rPr>
-                        <a:t>, 15</a:t>
-                      </a:r>
-                      <a:r>
-                        <a:rPr lang="ko-KR" altLang="en-US" sz="1000">
-                          <a:latin typeface="Apple SD Gothic Neo" panose="02000300000000000000" pitchFamily="2" charset="-127"/>
-                          <a:ea typeface="Apple SD Gothic Neo" panose="02000300000000000000" pitchFamily="2" charset="-127"/>
-                        </a:rPr>
-                        <a:t>만</a:t>
-                      </a:r>
-                      <a:r>
-                        <a:rPr lang="en-US" altLang="ko-KR" sz="1000">
-                          <a:latin typeface="Apple SD Gothic Neo" panose="02000300000000000000" pitchFamily="2" charset="-127"/>
-                          <a:ea typeface="Apple SD Gothic Neo" panose="02000300000000000000" pitchFamily="2" charset="-127"/>
-                        </a:rPr>
-                        <a:t>,</a:t>
-                      </a:r>
-                      <a:r>
-                        <a:rPr lang="ko-KR" altLang="en-US" sz="1000">
-                          <a:latin typeface="Apple SD Gothic Neo" panose="02000300000000000000" pitchFamily="2" charset="-127"/>
-                          <a:ea typeface="Apple SD Gothic Neo" panose="02000300000000000000" pitchFamily="2" charset="-127"/>
-                        </a:rPr>
-                        <a:t> </a:t>
-                      </a:r>
-                      <a:r>
-                        <a:rPr lang="en-US" altLang="ko-KR" sz="1000">
+                        <a:rPr lang="en-US" altLang="ko-KR" sz="1000" dirty="0">
                           <a:latin typeface="Apple SD Gothic Neo" panose="02000300000000000000" pitchFamily="2" charset="-127"/>
                           <a:ea typeface="Apple SD Gothic Neo" panose="02000300000000000000" pitchFamily="2" charset="-127"/>
                         </a:rPr>
                         <a:t>20</a:t>
                       </a:r>
                       <a:r>
-                        <a:rPr lang="ko-KR" altLang="en-US" sz="1000">
+                        <a:rPr lang="ko-KR" altLang="en-US" sz="1000" dirty="0">
                           <a:latin typeface="Apple SD Gothic Neo" panose="02000300000000000000" pitchFamily="2" charset="-127"/>
                           <a:ea typeface="Apple SD Gothic Neo" panose="02000300000000000000" pitchFamily="2" charset="-127"/>
                         </a:rPr>
                         <a:t>만 </a:t>
                       </a:r>
-                      <a:endParaRPr lang="en-US" sz="1000">
+                      <a:endParaRPr lang="en-US" sz="1000" dirty="0">
                         <a:latin typeface="Apple SD Gothic Neo" panose="02000300000000000000" pitchFamily="2" charset="-127"/>
                         <a:ea typeface="Apple SD Gothic Neo" panose="02000300000000000000" pitchFamily="2" charset="-127"/>
                       </a:endParaRPr>
@@ -19496,7 +19435,27 @@
                 <a:latin typeface="Apple SD Gothic Neo" panose="02000300000000000000" pitchFamily="2" charset="-127"/>
                 <a:ea typeface="Apple SD Gothic Neo" panose="02000300000000000000" pitchFamily="2" charset="-127"/>
               </a:rPr>
-              <a:t> 신경망을 더 다듬어야 할 것 같다</a:t>
+              <a:t> 신경망을</a:t>
+            </a:r>
+            <a:r>
+              <a:rPr lang="en-US" altLang="ko-KR" sz="1100" dirty="0">
+                <a:solidFill>
+                  <a:schemeClr val="tx1"/>
+                </a:solidFill>
+                <a:latin typeface="Apple SD Gothic Neo" panose="02000300000000000000" pitchFamily="2" charset="-127"/>
+                <a:ea typeface="Apple SD Gothic Neo" panose="02000300000000000000" pitchFamily="2" charset="-127"/>
+              </a:rPr>
+              <a:t> </a:t>
+            </a:r>
+            <a:r>
+              <a:rPr lang="ko-KR" altLang="en-US" sz="1100" dirty="0">
+                <a:solidFill>
+                  <a:schemeClr val="tx1"/>
+                </a:solidFill>
+                <a:latin typeface="Apple SD Gothic Neo" panose="02000300000000000000" pitchFamily="2" charset="-127"/>
+                <a:ea typeface="Apple SD Gothic Neo" panose="02000300000000000000" pitchFamily="2" charset="-127"/>
+              </a:rPr>
+              <a:t>뜯어 고쳐야 할 것 같다</a:t>
             </a:r>
             <a:r>
               <a:rPr lang="en-US" altLang="ko-KR" sz="1100" dirty="0">
@@ -20739,6 +20698,2520 @@
     <p:extLst>
       <p:ext uri="{BB962C8B-B14F-4D97-AF65-F5344CB8AC3E}">
         <p14:creationId xmlns:p14="http://schemas.microsoft.com/office/powerpoint/2010/main" val="186240612"/>
+      </p:ext>
+    </p:extLst>
+  </p:cSld>
+  <p:clrMapOvr>
+    <a:masterClrMapping/>
+  </p:clrMapOvr>
+</p:sld>
+</file>
+
+<file path=ppt/slides/slide9.xml><?xml version="1.0" encoding="utf-8"?>
+<p:sld xmlns:a="http://schemas.openxmlformats.org/drawingml/2006/main" xmlns:r="http://schemas.openxmlformats.org/officeDocument/2006/relationships" xmlns:p="http://schemas.openxmlformats.org/presentationml/2006/main">
+  <p:cSld>
+    <p:spTree>
+      <p:nvGrpSpPr>
+        <p:cNvPr id="1" name=""/>
+        <p:cNvGrpSpPr/>
+        <p:nvPr/>
+      </p:nvGrpSpPr>
+      <p:grpSpPr>
+        <a:xfrm>
+          <a:off x="0" y="0"/>
+          <a:ext cx="0" cy="0"/>
+          <a:chOff x="0" y="0"/>
+          <a:chExt cx="0" cy="0"/>
+        </a:xfrm>
+      </p:grpSpPr>
+      <p:graphicFrame>
+        <p:nvGraphicFramePr>
+          <p:cNvPr id="8" name="Table 7">
+            <a:extLst>
+              <a:ext uri="{FF2B5EF4-FFF2-40B4-BE49-F238E27FC236}">
+                <a16:creationId xmlns:a16="http://schemas.microsoft.com/office/drawing/2014/main" id="{490C91BB-B123-2DF5-B863-83E7888B6C39}"/>
+              </a:ext>
+            </a:extLst>
+          </p:cNvPr>
+          <p:cNvGraphicFramePr>
+            <a:graphicFrameLocks noGrp="1"/>
+          </p:cNvGraphicFramePr>
+          <p:nvPr>
+            <p:extLst>
+              <p:ext uri="{D42A27DB-BD31-4B8C-83A1-F6EECF244321}">
+                <p14:modId xmlns:p14="http://schemas.microsoft.com/office/powerpoint/2010/main" val="4208886599"/>
+              </p:ext>
+            </p:extLst>
+          </p:nvPr>
+        </p:nvGraphicFramePr>
+        <p:xfrm>
+          <a:off x="188349" y="214002"/>
+          <a:ext cx="3549309" cy="6241679"/>
+        </p:xfrm>
+        <a:graphic>
+          <a:graphicData uri="http://schemas.openxmlformats.org/drawingml/2006/table">
+            <a:tbl>
+              <a:tblPr firstRow="1" bandRow="1">
+                <a:tableStyleId>{8EC20E35-A176-4012-BC5E-935CFFF8708E}</a:tableStyleId>
+              </a:tblPr>
+              <a:tblGrid>
+                <a:gridCol w="986839">
+                  <a:extLst>
+                    <a:ext uri="{9D8B030D-6E8A-4147-A177-3AD203B41FA5}">
+                      <a16:colId xmlns:a16="http://schemas.microsoft.com/office/drawing/2014/main" val="2599444794"/>
+                    </a:ext>
+                  </a:extLst>
+                </a:gridCol>
+                <a:gridCol w="2562470">
+                  <a:extLst>
+                    <a:ext uri="{9D8B030D-6E8A-4147-A177-3AD203B41FA5}">
+                      <a16:colId xmlns:a16="http://schemas.microsoft.com/office/drawing/2014/main" val="1554349779"/>
+                    </a:ext>
+                  </a:extLst>
+                </a:gridCol>
+              </a:tblGrid>
+              <a:tr h="302070">
+                <a:tc>
+                  <a:txBody>
+                    <a:bodyPr/>
+                    <a:lstStyle/>
+                    <a:p>
+                      <a:r>
+                        <a:rPr lang="en-US" sz="1500" dirty="0">
+                          <a:latin typeface="Apple SD Gothic Neo" panose="02000300000000000000" pitchFamily="2" charset="-127"/>
+                          <a:ea typeface="Apple SD Gothic Neo" panose="02000300000000000000" pitchFamily="2" charset="-127"/>
+                        </a:rPr>
+                        <a:t>😀😎🥵</a:t>
+                      </a:r>
+                    </a:p>
+                  </a:txBody>
+                  <a:tcPr marL="74295" marR="74295" marT="37148" marB="37148"/>
+                </a:tc>
+                <a:tc>
+                  <a:txBody>
+                    <a:bodyPr/>
+                    <a:lstStyle/>
+                    <a:p>
+                      <a:r>
+                        <a:rPr lang="en-US" sz="1400" dirty="0" err="1">
+                          <a:latin typeface="Apple SD Gothic Neo" panose="02000300000000000000" pitchFamily="2" charset="-127"/>
+                          <a:ea typeface="Apple SD Gothic Neo" panose="02000300000000000000" pitchFamily="2" charset="-127"/>
+                        </a:rPr>
+                        <a:t>scalar_reveal_aware</a:t>
+                      </a:r>
+                      <a:endParaRPr lang="en-US" sz="1400" dirty="0">
+                        <a:latin typeface="Apple SD Gothic Neo" panose="02000300000000000000" pitchFamily="2" charset="-127"/>
+                        <a:ea typeface="Apple SD Gothic Neo" panose="02000300000000000000" pitchFamily="2" charset="-127"/>
+                      </a:endParaRPr>
+                    </a:p>
+                  </a:txBody>
+                  <a:tcPr marL="74295" marR="74295" marT="37148" marB="37148"/>
+                </a:tc>
+                <a:extLst>
+                  <a:ext uri="{0D108BD9-81ED-4DB2-BD59-A6C34878D82A}">
+                    <a16:rowId xmlns:a16="http://schemas.microsoft.com/office/drawing/2014/main" val="987546650"/>
+                  </a:ext>
+                </a:extLst>
+              </a:tr>
+              <a:tr h="302070">
+                <a:tc>
+                  <a:txBody>
+                    <a:bodyPr/>
+                    <a:lstStyle/>
+                    <a:p>
+                      <a:r>
+                        <a:rPr lang="en-US" sz="1000" b="1">
+                          <a:latin typeface="Apple SD Gothic Neo" panose="02000300000000000000" pitchFamily="2" charset="-127"/>
+                          <a:ea typeface="Apple SD Gothic Neo" panose="02000300000000000000" pitchFamily="2" charset="-127"/>
+                        </a:rPr>
+                        <a:t>Agent Type</a:t>
+                      </a:r>
+                    </a:p>
+                  </a:txBody>
+                  <a:tcPr marL="74295" marR="74295" marT="37148" marB="37148"/>
+                </a:tc>
+                <a:tc>
+                  <a:txBody>
+                    <a:bodyPr/>
+                    <a:lstStyle/>
+                    <a:p>
+                      <a:r>
+                        <a:rPr lang="en-US" sz="1000" dirty="0">
+                          <a:solidFill>
+                            <a:schemeClr val="tx1"/>
+                          </a:solidFill>
+                          <a:latin typeface="Apple SD Gothic Neo" panose="02000300000000000000" pitchFamily="2" charset="-127"/>
+                          <a:ea typeface="Apple SD Gothic Neo" panose="02000300000000000000" pitchFamily="2" charset="-127"/>
+                        </a:rPr>
+                        <a:t>Vector Type</a:t>
+                      </a:r>
+                      <a:r>
+                        <a:rPr lang="en-US" sz="1000" dirty="0">
+                          <a:latin typeface="Apple SD Gothic Neo" panose="02000300000000000000" pitchFamily="2" charset="-127"/>
+                          <a:ea typeface="Apple SD Gothic Neo" panose="02000300000000000000" pitchFamily="2" charset="-127"/>
+                        </a:rPr>
+                        <a:t>, </a:t>
+                      </a:r>
+                      <a:r>
+                        <a:rPr lang="en-US" sz="1000" b="1" u="sng" dirty="0">
+                          <a:latin typeface="Apple SD Gothic Neo" panose="02000300000000000000" pitchFamily="2" charset="-127"/>
+                          <a:ea typeface="Apple SD Gothic Neo" panose="02000300000000000000" pitchFamily="2" charset="-127"/>
+                        </a:rPr>
+                        <a:t>Scalar Type</a:t>
+                      </a:r>
+                    </a:p>
+                  </a:txBody>
+                  <a:tcPr marL="74295" marR="74295" marT="37148" marB="37148"/>
+                </a:tc>
+                <a:extLst>
+                  <a:ext uri="{0D108BD9-81ED-4DB2-BD59-A6C34878D82A}">
+                    <a16:rowId xmlns:a16="http://schemas.microsoft.com/office/drawing/2014/main" val="1519803154"/>
+                  </a:ext>
+                </a:extLst>
+              </a:tr>
+              <a:tr h="302070">
+                <a:tc>
+                  <a:txBody>
+                    <a:bodyPr/>
+                    <a:lstStyle/>
+                    <a:p>
+                      <a:r>
+                        <a:rPr lang="en-US" sz="1000" b="1">
+                          <a:latin typeface="Apple SD Gothic Neo" panose="02000300000000000000" pitchFamily="2" charset="-127"/>
+                          <a:ea typeface="Apple SD Gothic Neo" panose="02000300000000000000" pitchFamily="2" charset="-127"/>
+                        </a:rPr>
+                        <a:t>Training Step</a:t>
+                      </a:r>
+                    </a:p>
+                  </a:txBody>
+                  <a:tcPr marL="74295" marR="74295" marT="37148" marB="37148"/>
+                </a:tc>
+                <a:tc>
+                  <a:txBody>
+                    <a:bodyPr/>
+                    <a:lstStyle/>
+                    <a:p>
+                      <a:r>
+                        <a:rPr lang="en-US" altLang="ko-KR" sz="1000" b="1" u="sng" dirty="0">
+                          <a:latin typeface="Apple SD Gothic Neo" panose="02000300000000000000" pitchFamily="2" charset="-127"/>
+                          <a:ea typeface="Apple SD Gothic Neo" panose="02000300000000000000" pitchFamily="2" charset="-127"/>
+                        </a:rPr>
+                        <a:t>every timesteps</a:t>
+                      </a:r>
+                      <a:r>
+                        <a:rPr lang="en-US" altLang="ko-KR" sz="1000" dirty="0">
+                          <a:latin typeface="Apple SD Gothic Neo" panose="02000300000000000000" pitchFamily="2" charset="-127"/>
+                          <a:ea typeface="Apple SD Gothic Neo" panose="02000300000000000000" pitchFamily="2" charset="-127"/>
+                        </a:rPr>
+                        <a:t>, every episodes</a:t>
+                      </a:r>
+                    </a:p>
+                  </a:txBody>
+                  <a:tcPr marL="74295" marR="74295" marT="37148" marB="37148"/>
+                </a:tc>
+                <a:extLst>
+                  <a:ext uri="{0D108BD9-81ED-4DB2-BD59-A6C34878D82A}">
+                    <a16:rowId xmlns:a16="http://schemas.microsoft.com/office/drawing/2014/main" val="884613467"/>
+                  </a:ext>
+                </a:extLst>
+              </a:tr>
+              <a:tr h="357794">
+                <a:tc>
+                  <a:txBody>
+                    <a:bodyPr/>
+                    <a:lstStyle/>
+                    <a:p>
+                      <a:r>
+                        <a:rPr lang="ko-KR" altLang="en-US" sz="1000" b="1">
+                          <a:latin typeface="Apple SD Gothic Neo" panose="02000300000000000000" pitchFamily="2" charset="-127"/>
+                          <a:ea typeface="Apple SD Gothic Neo" panose="02000300000000000000" pitchFamily="2" charset="-127"/>
+                        </a:rPr>
+                        <a:t>신경망</a:t>
+                      </a:r>
+                      <a:endParaRPr lang="en-US" sz="1000" b="1">
+                        <a:latin typeface="Apple SD Gothic Neo" panose="02000300000000000000" pitchFamily="2" charset="-127"/>
+                        <a:ea typeface="Apple SD Gothic Neo" panose="02000300000000000000" pitchFamily="2" charset="-127"/>
+                      </a:endParaRPr>
+                    </a:p>
+                  </a:txBody>
+                  <a:tcPr marL="74295" marR="74295" marT="37148" marB="37148"/>
+                </a:tc>
+                <a:tc>
+                  <a:txBody>
+                    <a:bodyPr/>
+                    <a:lstStyle/>
+                    <a:p>
+                      <a:r>
+                        <a:rPr lang="en-US" sz="1000">
+                          <a:latin typeface="Apple SD Gothic Neo" panose="02000300000000000000" pitchFamily="2" charset="-127"/>
+                          <a:ea typeface="Apple SD Gothic Neo" panose="02000300000000000000" pitchFamily="2" charset="-127"/>
+                        </a:rPr>
+                        <a:t>Conv 4</a:t>
+                      </a:r>
+                      <a:r>
+                        <a:rPr lang="ko-KR" altLang="en-US" sz="1000">
+                          <a:latin typeface="Apple SD Gothic Neo" panose="02000300000000000000" pitchFamily="2" charset="-127"/>
+                          <a:ea typeface="Apple SD Gothic Neo" panose="02000300000000000000" pitchFamily="2" charset="-127"/>
+                        </a:rPr>
+                        <a:t>층 </a:t>
+                      </a:r>
+                      <a:br>
+                        <a:rPr lang="en-US" altLang="ko-KR" sz="1000">
+                          <a:latin typeface="Apple SD Gothic Neo" panose="02000300000000000000" pitchFamily="2" charset="-127"/>
+                          <a:ea typeface="Apple SD Gothic Neo" panose="02000300000000000000" pitchFamily="2" charset="-127"/>
+                        </a:rPr>
+                      </a:br>
+                      <a:r>
+                        <a:rPr lang="en-US" altLang="ko-KR" sz="1000">
+                          <a:latin typeface="Apple SD Gothic Neo" panose="02000300000000000000" pitchFamily="2" charset="-127"/>
+                          <a:ea typeface="Apple SD Gothic Neo" panose="02000300000000000000" pitchFamily="2" charset="-127"/>
+                        </a:rPr>
+                        <a:t>(3x3, 1st padding 2,</a:t>
+                      </a:r>
+                      <a:r>
+                        <a:rPr lang="ko-KR" altLang="en-US" sz="1000">
+                          <a:latin typeface="Apple SD Gothic Neo" panose="02000300000000000000" pitchFamily="2" charset="-127"/>
+                          <a:ea typeface="Apple SD Gothic Neo" panose="02000300000000000000" pitchFamily="2" charset="-127"/>
+                        </a:rPr>
+                        <a:t> </a:t>
+                      </a:r>
+                      <a:r>
+                        <a:rPr lang="en-US" altLang="ko-KR" sz="1000">
+                          <a:latin typeface="Apple SD Gothic Neo" panose="02000300000000000000" pitchFamily="2" charset="-127"/>
+                          <a:ea typeface="Apple SD Gothic Neo" panose="02000300000000000000" pitchFamily="2" charset="-127"/>
+                        </a:rPr>
+                        <a:t>~.</a:t>
+                      </a:r>
+                      <a:r>
+                        <a:rPr lang="ko-KR" altLang="en-US" sz="1000">
+                          <a:latin typeface="Apple SD Gothic Neo" panose="02000300000000000000" pitchFamily="2" charset="-127"/>
+                          <a:ea typeface="Apple SD Gothic Neo" panose="02000300000000000000" pitchFamily="2" charset="-127"/>
+                        </a:rPr>
+                        <a:t> </a:t>
+                      </a:r>
+                      <a:r>
+                        <a:rPr lang="en-US" altLang="ko-KR" sz="1000">
+                          <a:latin typeface="Apple SD Gothic Neo" panose="02000300000000000000" pitchFamily="2" charset="-127"/>
+                          <a:ea typeface="Apple SD Gothic Neo" panose="02000300000000000000" pitchFamily="2" charset="-127"/>
+                        </a:rPr>
+                        <a:t>Padding</a:t>
+                      </a:r>
+                      <a:r>
+                        <a:rPr lang="ko-KR" altLang="en-US" sz="1000">
+                          <a:latin typeface="Apple SD Gothic Neo" panose="02000300000000000000" pitchFamily="2" charset="-127"/>
+                          <a:ea typeface="Apple SD Gothic Neo" panose="02000300000000000000" pitchFamily="2" charset="-127"/>
+                        </a:rPr>
+                        <a:t> </a:t>
+                      </a:r>
+                      <a:r>
+                        <a:rPr lang="en-US" altLang="ko-KR" sz="1000">
+                          <a:latin typeface="Apple SD Gothic Neo" panose="02000300000000000000" pitchFamily="2" charset="-127"/>
+                          <a:ea typeface="Apple SD Gothic Neo" panose="02000300000000000000" pitchFamily="2" charset="-127"/>
+                        </a:rPr>
+                        <a:t>1)</a:t>
+                      </a:r>
+                      <a:endParaRPr lang="en-US" sz="1000">
+                        <a:latin typeface="Apple SD Gothic Neo" panose="02000300000000000000" pitchFamily="2" charset="-127"/>
+                        <a:ea typeface="Apple SD Gothic Neo" panose="02000300000000000000" pitchFamily="2" charset="-127"/>
+                      </a:endParaRPr>
+                    </a:p>
+                  </a:txBody>
+                  <a:tcPr marL="74295" marR="74295" marT="37148" marB="37148"/>
+                </a:tc>
+                <a:extLst>
+                  <a:ext uri="{0D108BD9-81ED-4DB2-BD59-A6C34878D82A}">
+                    <a16:rowId xmlns:a16="http://schemas.microsoft.com/office/drawing/2014/main" val="2152282549"/>
+                  </a:ext>
+                </a:extLst>
+              </a:tr>
+              <a:tr h="357794">
+                <a:tc>
+                  <a:txBody>
+                    <a:bodyPr/>
+                    <a:lstStyle/>
+                    <a:p>
+                      <a:r>
+                        <a:rPr lang="en-US" sz="1000" b="1" dirty="0">
+                          <a:latin typeface="Apple SD Gothic Neo" panose="02000300000000000000" pitchFamily="2" charset="-127"/>
+                          <a:ea typeface="Apple SD Gothic Neo" panose="02000300000000000000" pitchFamily="2" charset="-127"/>
+                        </a:rPr>
+                        <a:t>Net Setting</a:t>
+                      </a:r>
+                    </a:p>
+                  </a:txBody>
+                  <a:tcPr marL="74295" marR="74295" marT="37148" marB="37148"/>
+                </a:tc>
+                <a:tc>
+                  <a:txBody>
+                    <a:bodyPr/>
+                    <a:lstStyle/>
+                    <a:p>
+                      <a:pPr marL="171450" indent="-171450">
+                        <a:buFont typeface="System Font Regular"/>
+                        <a:buChar char="-"/>
+                      </a:pPr>
+                      <a:r>
+                        <a:rPr lang="en-US" sz="1000">
+                          <a:latin typeface="Apple SD Gothic Neo" panose="02000300000000000000" pitchFamily="2" charset="-127"/>
+                          <a:ea typeface="Apple SD Gothic Neo" panose="02000300000000000000" pitchFamily="2" charset="-127"/>
+                        </a:rPr>
+                        <a:t>CONV_UNITS = 64</a:t>
+                      </a:r>
+                    </a:p>
+                    <a:p>
+                      <a:pPr marL="171450" indent="-171450">
+                        <a:buFont typeface="System Font Regular"/>
+                        <a:buChar char="-"/>
+                      </a:pPr>
+                      <a:r>
+                        <a:rPr lang="en-US" sz="1000">
+                          <a:latin typeface="Apple SD Gothic Neo" panose="02000300000000000000" pitchFamily="2" charset="-127"/>
+                          <a:ea typeface="Apple SD Gothic Neo" panose="02000300000000000000" pitchFamily="2" charset="-127"/>
+                        </a:rPr>
+                        <a:t>UPDATE_TARGET_EVERY = 5</a:t>
+                      </a:r>
+                    </a:p>
+                  </a:txBody>
+                  <a:tcPr marL="74295" marR="74295" marT="37148" marB="37148"/>
+                </a:tc>
+                <a:extLst>
+                  <a:ext uri="{0D108BD9-81ED-4DB2-BD59-A6C34878D82A}">
+                    <a16:rowId xmlns:a16="http://schemas.microsoft.com/office/drawing/2014/main" val="2783036620"/>
+                  </a:ext>
+                </a:extLst>
+              </a:tr>
+              <a:tr h="357794">
+                <a:tc>
+                  <a:txBody>
+                    <a:bodyPr/>
+                    <a:lstStyle/>
+                    <a:p>
+                      <a:r>
+                        <a:rPr lang="en-US" sz="1000" b="1">
+                          <a:latin typeface="Apple SD Gothic Neo" panose="02000300000000000000" pitchFamily="2" charset="-127"/>
+                          <a:ea typeface="Apple SD Gothic Neo" panose="02000300000000000000" pitchFamily="2" charset="-127"/>
+                        </a:rPr>
+                        <a:t>state</a:t>
+                      </a:r>
+                    </a:p>
+                  </a:txBody>
+                  <a:tcPr marL="74295" marR="74295" marT="37148" marB="37148"/>
+                </a:tc>
+                <a:tc>
+                  <a:txBody>
+                    <a:bodyPr/>
+                    <a:lstStyle/>
+                    <a:p>
+                      <a:r>
+                        <a:rPr lang="en-US" sz="1000">
+                          <a:latin typeface="Apple SD Gothic Neo" panose="02000300000000000000" pitchFamily="2" charset="-127"/>
+                          <a:ea typeface="Apple SD Gothic Neo" panose="02000300000000000000" pitchFamily="2" charset="-127"/>
+                        </a:rPr>
+                        <a:t>Single layer, shape=</a:t>
+                      </a:r>
+                      <a:r>
+                        <a:rPr lang="en-US" sz="1000" err="1">
+                          <a:latin typeface="Apple SD Gothic Neo" panose="02000300000000000000" pitchFamily="2" charset="-127"/>
+                          <a:ea typeface="Apple SD Gothic Neo" panose="02000300000000000000" pitchFamily="2" charset="-127"/>
+                        </a:rPr>
+                        <a:t>map_size</a:t>
+                      </a:r>
+                      <a:endParaRPr lang="en-US" sz="1000">
+                        <a:latin typeface="Apple SD Gothic Neo" panose="02000300000000000000" pitchFamily="2" charset="-127"/>
+                        <a:ea typeface="Apple SD Gothic Neo" panose="02000300000000000000" pitchFamily="2" charset="-127"/>
+                      </a:endParaRPr>
+                    </a:p>
+                    <a:p>
+                      <a:r>
+                        <a:rPr lang="en-US" sz="1000">
+                          <a:latin typeface="Apple SD Gothic Neo" panose="02000300000000000000" pitchFamily="2" charset="-127"/>
+                          <a:ea typeface="Apple SD Gothic Neo" panose="02000300000000000000" pitchFamily="2" charset="-127"/>
+                        </a:rPr>
+                        <a:t>-2 : Mine, -1 : Unrevealed, </a:t>
+                      </a:r>
+                      <a:br>
+                        <a:rPr lang="en-US" sz="1000">
+                          <a:latin typeface="Apple SD Gothic Neo" panose="02000300000000000000" pitchFamily="2" charset="-127"/>
+                          <a:ea typeface="Apple SD Gothic Neo" panose="02000300000000000000" pitchFamily="2" charset="-127"/>
+                        </a:rPr>
+                      </a:br>
+                      <a:r>
+                        <a:rPr lang="en-US" sz="1000">
+                          <a:latin typeface="Apple SD Gothic Neo" panose="02000300000000000000" pitchFamily="2" charset="-127"/>
+                          <a:ea typeface="Apple SD Gothic Neo" panose="02000300000000000000" pitchFamily="2" charset="-127"/>
+                        </a:rPr>
+                        <a:t>0~8 : # of neighbor Mines</a:t>
+                      </a:r>
+                    </a:p>
+                    <a:p>
+                      <a:r>
+                        <a:rPr lang="en-US" sz="1000">
+                          <a:latin typeface="Apple SD Gothic Neo" panose="02000300000000000000" pitchFamily="2" charset="-127"/>
+                          <a:ea typeface="Apple SD Gothic Neo" panose="02000300000000000000" pitchFamily="2" charset="-127"/>
+                        </a:rPr>
+                        <a:t>Normalization : by 8(max #)</a:t>
+                      </a:r>
+                    </a:p>
+                  </a:txBody>
+                  <a:tcPr marL="74295" marR="74295" marT="37148" marB="37148"/>
+                </a:tc>
+                <a:extLst>
+                  <a:ext uri="{0D108BD9-81ED-4DB2-BD59-A6C34878D82A}">
+                    <a16:rowId xmlns:a16="http://schemas.microsoft.com/office/drawing/2014/main" val="2187570725"/>
+                  </a:ext>
+                </a:extLst>
+              </a:tr>
+              <a:tr h="357794">
+                <a:tc>
+                  <a:txBody>
+                    <a:bodyPr/>
+                    <a:lstStyle/>
+                    <a:p>
+                      <a:r>
+                        <a:rPr lang="en-US" sz="1000" b="1">
+                          <a:latin typeface="Apple SD Gothic Neo" panose="02000300000000000000" pitchFamily="2" charset="-127"/>
+                          <a:ea typeface="Apple SD Gothic Neo" panose="02000300000000000000" pitchFamily="2" charset="-127"/>
+                        </a:rPr>
+                        <a:t>replay</a:t>
+                      </a:r>
+                      <a:br>
+                        <a:rPr lang="en-US" sz="1000" b="1">
+                          <a:latin typeface="Apple SD Gothic Neo" panose="02000300000000000000" pitchFamily="2" charset="-127"/>
+                          <a:ea typeface="Apple SD Gothic Neo" panose="02000300000000000000" pitchFamily="2" charset="-127"/>
+                        </a:rPr>
+                      </a:br>
+                      <a:r>
+                        <a:rPr lang="en-US" sz="1000" b="1">
+                          <a:latin typeface="Apple SD Gothic Neo" panose="02000300000000000000" pitchFamily="2" charset="-127"/>
+                          <a:ea typeface="Apple SD Gothic Neo" panose="02000300000000000000" pitchFamily="2" charset="-127"/>
+                        </a:rPr>
+                        <a:t>memory</a:t>
+                      </a:r>
+                    </a:p>
+                  </a:txBody>
+                  <a:tcPr marL="74295" marR="74295" marT="37148" marB="37148"/>
+                </a:tc>
+                <a:tc>
+                  <a:txBody>
+                    <a:bodyPr/>
+                    <a:lstStyle/>
+                    <a:p>
+                      <a:pPr marL="285750" indent="-285750">
+                        <a:buFontTx/>
+                        <a:buChar char="-"/>
+                      </a:pPr>
+                      <a:r>
+                        <a:rPr lang="en-US" sz="1000">
+                          <a:latin typeface="Apple SD Gothic Neo" panose="02000300000000000000" pitchFamily="2" charset="-127"/>
+                          <a:ea typeface="Apple SD Gothic Neo" panose="02000300000000000000" pitchFamily="2" charset="-127"/>
+                        </a:rPr>
+                        <a:t>1</a:t>
+                      </a:r>
+                      <a:r>
+                        <a:rPr lang="en-US" altLang="ko-KR" sz="1000">
+                          <a:latin typeface="Apple SD Gothic Neo" panose="02000300000000000000" pitchFamily="2" charset="-127"/>
+                          <a:ea typeface="Apple SD Gothic Neo" panose="02000300000000000000" pitchFamily="2" charset="-127"/>
+                        </a:rPr>
+                        <a:t>8</a:t>
+                      </a:r>
+                      <a:r>
+                        <a:rPr lang="ko-KR" altLang="en-US" sz="1000">
+                          <a:latin typeface="Apple SD Gothic Neo" panose="02000300000000000000" pitchFamily="2" charset="-127"/>
+                          <a:ea typeface="Apple SD Gothic Neo" panose="02000300000000000000" pitchFamily="2" charset="-127"/>
+                        </a:rPr>
+                        <a:t>개 이하는 저장 안함</a:t>
+                      </a:r>
+                      <a:endParaRPr lang="en-US" altLang="ko-KR" sz="1000">
+                        <a:latin typeface="Apple SD Gothic Neo" panose="02000300000000000000" pitchFamily="2" charset="-127"/>
+                        <a:ea typeface="Apple SD Gothic Neo" panose="02000300000000000000" pitchFamily="2" charset="-127"/>
+                      </a:endParaRPr>
+                    </a:p>
+                    <a:p>
+                      <a:pPr marL="285750" indent="-285750">
+                        <a:buFontTx/>
+                        <a:buChar char="-"/>
+                      </a:pPr>
+                      <a:r>
+                        <a:rPr lang="en-US" altLang="ko-KR" sz="1000">
+                          <a:latin typeface="Apple SD Gothic Neo" panose="02000300000000000000" pitchFamily="2" charset="-127"/>
+                          <a:ea typeface="Apple SD Gothic Neo" panose="02000300000000000000" pitchFamily="2" charset="-127"/>
+                        </a:rPr>
+                        <a:t>50000</a:t>
+                      </a:r>
+                      <a:r>
+                        <a:rPr lang="ko-KR" altLang="en-US" sz="1000">
+                          <a:latin typeface="Apple SD Gothic Neo" panose="02000300000000000000" pitchFamily="2" charset="-127"/>
+                          <a:ea typeface="Apple SD Gothic Neo" panose="02000300000000000000" pitchFamily="2" charset="-127"/>
+                        </a:rPr>
+                        <a:t> </a:t>
+                      </a:r>
+                      <a:r>
+                        <a:rPr lang="en-US" altLang="ko-KR" sz="1000">
+                          <a:latin typeface="Apple SD Gothic Neo" panose="02000300000000000000" pitchFamily="2" charset="-127"/>
+                          <a:ea typeface="Apple SD Gothic Neo" panose="02000300000000000000" pitchFamily="2" charset="-127"/>
+                        </a:rPr>
+                        <a:t>/</a:t>
+                      </a:r>
+                      <a:r>
+                        <a:rPr lang="ko-KR" altLang="en-US" sz="1000">
+                          <a:latin typeface="Apple SD Gothic Neo" panose="02000300000000000000" pitchFamily="2" charset="-127"/>
+                          <a:ea typeface="Apple SD Gothic Neo" panose="02000300000000000000" pitchFamily="2" charset="-127"/>
+                        </a:rPr>
+                        <a:t> </a:t>
+                      </a:r>
+                      <a:r>
+                        <a:rPr lang="en-US" altLang="ko-KR" sz="1000">
+                          <a:latin typeface="Apple SD Gothic Neo" panose="02000300000000000000" pitchFamily="2" charset="-127"/>
+                          <a:ea typeface="Apple SD Gothic Neo" panose="02000300000000000000" pitchFamily="2" charset="-127"/>
+                        </a:rPr>
+                        <a:t>1000</a:t>
+                      </a:r>
+                      <a:endParaRPr lang="en-US" sz="1000">
+                        <a:latin typeface="Apple SD Gothic Neo" panose="02000300000000000000" pitchFamily="2" charset="-127"/>
+                        <a:ea typeface="Apple SD Gothic Neo" panose="02000300000000000000" pitchFamily="2" charset="-127"/>
+                      </a:endParaRPr>
+                    </a:p>
+                  </a:txBody>
+                  <a:tcPr marL="74295" marR="74295" marT="37148" marB="37148"/>
+                </a:tc>
+                <a:extLst>
+                  <a:ext uri="{0D108BD9-81ED-4DB2-BD59-A6C34878D82A}">
+                    <a16:rowId xmlns:a16="http://schemas.microsoft.com/office/drawing/2014/main" val="3503691798"/>
+                  </a:ext>
+                </a:extLst>
+              </a:tr>
+              <a:tr h="534529">
+                <a:tc>
+                  <a:txBody>
+                    <a:bodyPr/>
+                    <a:lstStyle/>
+                    <a:p>
+                      <a:r>
+                        <a:rPr lang="en-US" sz="1000" b="1">
+                          <a:latin typeface="Apple SD Gothic Neo" panose="02000300000000000000" pitchFamily="2" charset="-127"/>
+                          <a:ea typeface="Apple SD Gothic Neo" panose="02000300000000000000" pitchFamily="2" charset="-127"/>
+                        </a:rPr>
+                        <a:t>Learning Params</a:t>
+                      </a:r>
+                    </a:p>
+                  </a:txBody>
+                  <a:tcPr marL="74295" marR="74295" marT="37148" marB="37148"/>
+                </a:tc>
+                <a:tc>
+                  <a:txBody>
+                    <a:bodyPr/>
+                    <a:lstStyle/>
+                    <a:p>
+                      <a:pPr marL="285750" marR="0" indent="-285750" algn="l" defTabSz="914400" rtl="0" eaLnBrk="1" fontAlgn="auto" latinLnBrk="0" hangingPunct="1">
+                        <a:lnSpc>
+                          <a:spcPct val="100000"/>
+                        </a:lnSpc>
+                        <a:spcBef>
+                          <a:spcPts val="0"/>
+                        </a:spcBef>
+                        <a:spcAft>
+                          <a:spcPts val="0"/>
+                        </a:spcAft>
+                        <a:buClrTx/>
+                        <a:buSzTx/>
+                        <a:buFontTx/>
+                        <a:buChar char="-"/>
+                        <a:tabLst/>
+                        <a:defRPr/>
+                      </a:pPr>
+                      <a:r>
+                        <a:rPr lang="en-US" sz="1000" dirty="0">
+                          <a:latin typeface="Apple SD Gothic Neo" panose="02000300000000000000" pitchFamily="2" charset="-127"/>
+                          <a:ea typeface="Apple SD Gothic Neo" panose="02000300000000000000" pitchFamily="2" charset="-127"/>
+                        </a:rPr>
+                        <a:t>BATCH_SIZE = 64</a:t>
+                      </a:r>
+                    </a:p>
+                    <a:p>
+                      <a:pPr marL="285750" marR="0" indent="-285750" algn="l" defTabSz="914400" rtl="0" eaLnBrk="1" fontAlgn="auto" latinLnBrk="0" hangingPunct="1">
+                        <a:lnSpc>
+                          <a:spcPct val="100000"/>
+                        </a:lnSpc>
+                        <a:spcBef>
+                          <a:spcPts val="0"/>
+                        </a:spcBef>
+                        <a:spcAft>
+                          <a:spcPts val="0"/>
+                        </a:spcAft>
+                        <a:buClrTx/>
+                        <a:buSzTx/>
+                        <a:buFontTx/>
+                        <a:buChar char="-"/>
+                        <a:tabLst/>
+                        <a:defRPr/>
+                      </a:pPr>
+                      <a:r>
+                        <a:rPr lang="en-US" sz="1000" dirty="0">
+                          <a:latin typeface="Apple SD Gothic Neo" panose="02000300000000000000" pitchFamily="2" charset="-127"/>
+                          <a:ea typeface="Apple SD Gothic Neo" panose="02000300000000000000" pitchFamily="2" charset="-127"/>
+                        </a:rPr>
+                        <a:t>LEARNING_RATE = 0.001</a:t>
+                      </a:r>
+                    </a:p>
+                    <a:p>
+                      <a:pPr marL="285750" marR="0" indent="-285750" algn="l" defTabSz="914400" rtl="0" eaLnBrk="1" fontAlgn="auto" latinLnBrk="0" hangingPunct="1">
+                        <a:lnSpc>
+                          <a:spcPct val="100000"/>
+                        </a:lnSpc>
+                        <a:spcBef>
+                          <a:spcPts val="0"/>
+                        </a:spcBef>
+                        <a:spcAft>
+                          <a:spcPts val="0"/>
+                        </a:spcAft>
+                        <a:buClrTx/>
+                        <a:buSzTx/>
+                        <a:buFontTx/>
+                        <a:buChar char="-"/>
+                        <a:tabLst/>
+                        <a:defRPr/>
+                      </a:pPr>
+                      <a:r>
+                        <a:rPr lang="en-US" sz="1000" dirty="0">
+                          <a:latin typeface="Apple SD Gothic Neo" panose="02000300000000000000" pitchFamily="2" charset="-127"/>
+                          <a:ea typeface="Apple SD Gothic Neo" panose="02000300000000000000" pitchFamily="2" charset="-127"/>
+                        </a:rPr>
+                        <a:t>DISCOUNT = 0.1</a:t>
+                      </a:r>
+                    </a:p>
+                  </a:txBody>
+                  <a:tcPr marL="74295" marR="74295" marT="37148" marB="37148"/>
+                </a:tc>
+                <a:extLst>
+                  <a:ext uri="{0D108BD9-81ED-4DB2-BD59-A6C34878D82A}">
+                    <a16:rowId xmlns:a16="http://schemas.microsoft.com/office/drawing/2014/main" val="3463998896"/>
+                  </a:ext>
+                </a:extLst>
+              </a:tr>
+              <a:tr h="534529">
+                <a:tc>
+                  <a:txBody>
+                    <a:bodyPr/>
+                    <a:lstStyle/>
+                    <a:p>
+                      <a:r>
+                        <a:rPr lang="en-US" sz="1000" b="1">
+                          <a:latin typeface="Apple SD Gothic Neo" panose="02000300000000000000" pitchFamily="2" charset="-127"/>
+                          <a:ea typeface="Apple SD Gothic Neo" panose="02000300000000000000" pitchFamily="2" charset="-127"/>
+                        </a:rPr>
+                        <a:t>Scheduler</a:t>
+                      </a:r>
+                    </a:p>
+                  </a:txBody>
+                  <a:tcPr marL="74295" marR="74295" marT="37148" marB="37148"/>
+                </a:tc>
+                <a:tc>
+                  <a:txBody>
+                    <a:bodyPr/>
+                    <a:lstStyle/>
+                    <a:p>
+                      <a:pPr marL="285750" marR="0" indent="-285750" algn="l" defTabSz="914400" rtl="0" eaLnBrk="1" fontAlgn="auto" latinLnBrk="0" hangingPunct="1">
+                        <a:lnSpc>
+                          <a:spcPct val="100000"/>
+                        </a:lnSpc>
+                        <a:spcBef>
+                          <a:spcPts val="0"/>
+                        </a:spcBef>
+                        <a:spcAft>
+                          <a:spcPts val="0"/>
+                        </a:spcAft>
+                        <a:buClrTx/>
+                        <a:buSzTx/>
+                        <a:buFontTx/>
+                        <a:buChar char="-"/>
+                        <a:tabLst/>
+                        <a:defRPr/>
+                      </a:pPr>
+                      <a:r>
+                        <a:rPr lang="en-US" sz="1000" dirty="0">
+                          <a:latin typeface="Apple SD Gothic Neo" panose="02000300000000000000" pitchFamily="2" charset="-127"/>
+                          <a:ea typeface="Apple SD Gothic Neo" panose="02000300000000000000" pitchFamily="2" charset="-127"/>
+                        </a:rPr>
+                        <a:t>X</a:t>
+                      </a:r>
+                    </a:p>
+                  </a:txBody>
+                  <a:tcPr marL="74295" marR="74295" marT="37148" marB="37148"/>
+                </a:tc>
+                <a:extLst>
+                  <a:ext uri="{0D108BD9-81ED-4DB2-BD59-A6C34878D82A}">
+                    <a16:rowId xmlns:a16="http://schemas.microsoft.com/office/drawing/2014/main" val="3706527949"/>
+                  </a:ext>
+                </a:extLst>
+              </a:tr>
+              <a:tr h="534529">
+                <a:tc>
+                  <a:txBody>
+                    <a:bodyPr/>
+                    <a:lstStyle/>
+                    <a:p>
+                      <a:r>
+                        <a:rPr lang="en-US" sz="1000" b="1">
+                          <a:latin typeface="Apple SD Gothic Neo" panose="02000300000000000000" pitchFamily="2" charset="-127"/>
+                          <a:ea typeface="Apple SD Gothic Neo" panose="02000300000000000000" pitchFamily="2" charset="-127"/>
+                        </a:rPr>
+                        <a:t>Exploration Params</a:t>
+                      </a:r>
+                    </a:p>
+                  </a:txBody>
+                  <a:tcPr marL="74295" marR="74295" marT="37148" marB="37148"/>
+                </a:tc>
+                <a:tc>
+                  <a:txBody>
+                    <a:bodyPr/>
+                    <a:lstStyle/>
+                    <a:p>
+                      <a:pPr marL="285750" marR="0" indent="-285750" algn="l" defTabSz="914400" rtl="0" eaLnBrk="1" fontAlgn="auto" latinLnBrk="0" hangingPunct="1">
+                        <a:lnSpc>
+                          <a:spcPct val="100000"/>
+                        </a:lnSpc>
+                        <a:spcBef>
+                          <a:spcPts val="0"/>
+                        </a:spcBef>
+                        <a:spcAft>
+                          <a:spcPts val="0"/>
+                        </a:spcAft>
+                        <a:buClrTx/>
+                        <a:buSzTx/>
+                        <a:buFontTx/>
+                        <a:buChar char="-"/>
+                        <a:tabLst/>
+                        <a:defRPr/>
+                      </a:pPr>
+                      <a:r>
+                        <a:rPr lang="en-US" sz="1000">
+                          <a:latin typeface="Apple SD Gothic Neo" panose="02000300000000000000" pitchFamily="2" charset="-127"/>
+                          <a:ea typeface="Apple SD Gothic Neo" panose="02000300000000000000" pitchFamily="2" charset="-127"/>
+                        </a:rPr>
+                        <a:t>EPSILON = 0.95</a:t>
+                      </a:r>
+                    </a:p>
+                    <a:p>
+                      <a:pPr marL="285750" marR="0" indent="-285750" algn="l" defTabSz="914400" rtl="0" eaLnBrk="1" fontAlgn="auto" latinLnBrk="0" hangingPunct="1">
+                        <a:lnSpc>
+                          <a:spcPct val="100000"/>
+                        </a:lnSpc>
+                        <a:spcBef>
+                          <a:spcPts val="0"/>
+                        </a:spcBef>
+                        <a:spcAft>
+                          <a:spcPts val="0"/>
+                        </a:spcAft>
+                        <a:buClrTx/>
+                        <a:buSzTx/>
+                        <a:buFontTx/>
+                        <a:buChar char="-"/>
+                        <a:tabLst/>
+                        <a:defRPr/>
+                      </a:pPr>
+                      <a:r>
+                        <a:rPr lang="en-US" sz="1000">
+                          <a:latin typeface="Apple SD Gothic Neo" panose="02000300000000000000" pitchFamily="2" charset="-127"/>
+                          <a:ea typeface="Apple SD Gothic Neo" panose="02000300000000000000" pitchFamily="2" charset="-127"/>
+                        </a:rPr>
+                        <a:t>EPSILON_DECAY = 0.99975</a:t>
+                      </a:r>
+                    </a:p>
+                    <a:p>
+                      <a:pPr marL="285750" marR="0" indent="-285750" algn="l" defTabSz="914400" rtl="0" eaLnBrk="1" fontAlgn="auto" latinLnBrk="0" hangingPunct="1">
+                        <a:lnSpc>
+                          <a:spcPct val="100000"/>
+                        </a:lnSpc>
+                        <a:spcBef>
+                          <a:spcPts val="0"/>
+                        </a:spcBef>
+                        <a:spcAft>
+                          <a:spcPts val="0"/>
+                        </a:spcAft>
+                        <a:buClrTx/>
+                        <a:buSzTx/>
+                        <a:buFontTx/>
+                        <a:buChar char="-"/>
+                        <a:tabLst/>
+                        <a:defRPr/>
+                      </a:pPr>
+                      <a:r>
+                        <a:rPr lang="en-US" sz="1000">
+                          <a:latin typeface="Apple SD Gothic Neo" panose="02000300000000000000" pitchFamily="2" charset="-127"/>
+                          <a:ea typeface="Apple SD Gothic Neo" panose="02000300000000000000" pitchFamily="2" charset="-127"/>
+                        </a:rPr>
+                        <a:t>EPSILON_MIN = 0.01</a:t>
+                      </a:r>
+                    </a:p>
+                  </a:txBody>
+                  <a:tcPr marL="74295" marR="74295" marT="37148" marB="37148"/>
+                </a:tc>
+                <a:extLst>
+                  <a:ext uri="{0D108BD9-81ED-4DB2-BD59-A6C34878D82A}">
+                    <a16:rowId xmlns:a16="http://schemas.microsoft.com/office/drawing/2014/main" val="1963843294"/>
+                  </a:ext>
+                </a:extLst>
+              </a:tr>
+              <a:tr h="440494">
+                <a:tc>
+                  <a:txBody>
+                    <a:bodyPr/>
+                    <a:lstStyle/>
+                    <a:p>
+                      <a:r>
+                        <a:rPr lang="en-US" sz="1000" b="1">
+                          <a:latin typeface="Apple SD Gothic Neo" panose="02000300000000000000" pitchFamily="2" charset="-127"/>
+                          <a:ea typeface="Apple SD Gothic Neo" panose="02000300000000000000" pitchFamily="2" charset="-127"/>
+                        </a:rPr>
+                        <a:t>Reward &amp; Done</a:t>
+                      </a:r>
+                    </a:p>
+                  </a:txBody>
+                  <a:tcPr marL="74295" marR="74295" marT="37148" marB="37148"/>
+                </a:tc>
+                <a:tc>
+                  <a:txBody>
+                    <a:bodyPr/>
+                    <a:lstStyle/>
+                    <a:p>
+                      <a:pPr marL="0" marR="0" lvl="0" indent="0" algn="l" defTabSz="914400" rtl="0" eaLnBrk="1" fontAlgn="auto" latinLnBrk="0" hangingPunct="1">
+                        <a:lnSpc>
+                          <a:spcPct val="100000"/>
+                        </a:lnSpc>
+                        <a:spcBef>
+                          <a:spcPts val="0"/>
+                        </a:spcBef>
+                        <a:spcAft>
+                          <a:spcPts val="0"/>
+                        </a:spcAft>
+                        <a:buClrTx/>
+                        <a:buSzTx/>
+                        <a:buFontTx/>
+                        <a:buNone/>
+                        <a:tabLst/>
+                        <a:defRPr/>
+                      </a:pPr>
+                      <a:r>
+                        <a:rPr lang="en-US" sz="1000" dirty="0">
+                          <a:latin typeface="Apple SD Gothic Neo" panose="02000300000000000000" pitchFamily="2" charset="-127"/>
+                          <a:ea typeface="Apple SD Gothic Neo" panose="02000300000000000000" pitchFamily="2" charset="-127"/>
+                        </a:rPr>
+                        <a:t>{'win':1, 'lose':-1, 'progress':0.3, 'guess':-0.3</a:t>
+                      </a:r>
+                      <a:r>
+                        <a:rPr lang="en-US" altLang="ko-KR" sz="1000" dirty="0">
+                          <a:latin typeface="Apple SD Gothic Neo" panose="02000300000000000000" pitchFamily="2" charset="-127"/>
+                          <a:ea typeface="Apple SD Gothic Neo" panose="02000300000000000000" pitchFamily="2" charset="-127"/>
+                        </a:rPr>
+                        <a:t>,</a:t>
+                      </a:r>
+                      <a:r>
+                        <a:rPr lang="ko-KR" altLang="en-US" sz="1000" dirty="0">
+                          <a:latin typeface="Apple SD Gothic Neo" panose="02000300000000000000" pitchFamily="2" charset="-127"/>
+                          <a:ea typeface="Apple SD Gothic Neo" panose="02000300000000000000" pitchFamily="2" charset="-127"/>
+                        </a:rPr>
+                        <a:t> </a:t>
+                      </a:r>
+                      <a:r>
+                        <a:rPr lang="en-US" altLang="ko-KR" sz="1000" dirty="0">
+                          <a:latin typeface="Apple SD Gothic Neo" panose="02000300000000000000" pitchFamily="2" charset="-127"/>
+                          <a:ea typeface="Apple SD Gothic Neo" panose="02000300000000000000" pitchFamily="2" charset="-127"/>
+                        </a:rPr>
+                        <a:t>‘</a:t>
+                      </a:r>
+                      <a:r>
+                        <a:rPr lang="en-US" altLang="ko-KR" sz="1000" strike="sngStrike" dirty="0" err="1">
+                          <a:latin typeface="Apple SD Gothic Neo" panose="02000300000000000000" pitchFamily="2" charset="-127"/>
+                          <a:ea typeface="Apple SD Gothic Neo" panose="02000300000000000000" pitchFamily="2" charset="-127"/>
+                        </a:rPr>
+                        <a:t>no_progress</a:t>
+                      </a:r>
+                      <a:r>
+                        <a:rPr lang="en-US" altLang="ko-KR" sz="1000" strike="sngStrike" dirty="0">
+                          <a:latin typeface="Apple SD Gothic Neo" panose="02000300000000000000" pitchFamily="2" charset="-127"/>
+                          <a:ea typeface="Apple SD Gothic Neo" panose="02000300000000000000" pitchFamily="2" charset="-127"/>
+                        </a:rPr>
+                        <a:t>’:-0.3</a:t>
+                      </a:r>
+                      <a:r>
+                        <a:rPr lang="en-US" sz="1000" dirty="0">
+                          <a:latin typeface="Apple SD Gothic Neo" panose="02000300000000000000" pitchFamily="2" charset="-127"/>
+                          <a:ea typeface="Apple SD Gothic Neo" panose="02000300000000000000" pitchFamily="2" charset="-127"/>
+                        </a:rPr>
+                        <a:t>}</a:t>
+                      </a:r>
+                      <a:br>
+                        <a:rPr lang="en-US" sz="1000" dirty="0">
+                          <a:latin typeface="Apple SD Gothic Neo" panose="02000300000000000000" pitchFamily="2" charset="-127"/>
+                          <a:ea typeface="Apple SD Gothic Neo" panose="02000300000000000000" pitchFamily="2" charset="-127"/>
+                        </a:rPr>
+                      </a:br>
+                      <a:r>
+                        <a:rPr lang="en-US" sz="1000" dirty="0">
+                          <a:latin typeface="Apple SD Gothic Neo" panose="02000300000000000000" pitchFamily="2" charset="-127"/>
+                          <a:ea typeface="Apple SD Gothic Neo" panose="02000300000000000000" pitchFamily="2" charset="-127"/>
+                        </a:rPr>
+                        <a:t>{'</a:t>
+                      </a:r>
+                      <a:r>
+                        <a:rPr lang="en-US" sz="1000" dirty="0" err="1">
+                          <a:latin typeface="Apple SD Gothic Neo" panose="02000300000000000000" pitchFamily="2" charset="-127"/>
+                          <a:ea typeface="Apple SD Gothic Neo" panose="02000300000000000000" pitchFamily="2" charset="-127"/>
+                        </a:rPr>
+                        <a:t>win':True</a:t>
+                      </a:r>
+                      <a:r>
+                        <a:rPr lang="en-US" sz="1000" dirty="0">
+                          <a:latin typeface="Apple SD Gothic Neo" panose="02000300000000000000" pitchFamily="2" charset="-127"/>
+                          <a:ea typeface="Apple SD Gothic Neo" panose="02000300000000000000" pitchFamily="2" charset="-127"/>
+                        </a:rPr>
+                        <a:t>, '</a:t>
+                      </a:r>
+                      <a:r>
+                        <a:rPr lang="en-US" sz="1000" dirty="0" err="1">
+                          <a:latin typeface="Apple SD Gothic Neo" panose="02000300000000000000" pitchFamily="2" charset="-127"/>
+                          <a:ea typeface="Apple SD Gothic Neo" panose="02000300000000000000" pitchFamily="2" charset="-127"/>
+                        </a:rPr>
+                        <a:t>lose':True</a:t>
+                      </a:r>
+                      <a:r>
+                        <a:rPr lang="en-US" sz="1000" dirty="0">
+                          <a:latin typeface="Apple SD Gothic Neo" panose="02000300000000000000" pitchFamily="2" charset="-127"/>
+                          <a:ea typeface="Apple SD Gothic Neo" panose="02000300000000000000" pitchFamily="2" charset="-127"/>
+                        </a:rPr>
+                        <a:t>, '</a:t>
+                      </a:r>
+                      <a:r>
+                        <a:rPr lang="en-US" sz="1000" dirty="0" err="1">
+                          <a:latin typeface="Apple SD Gothic Neo" panose="02000300000000000000" pitchFamily="2" charset="-127"/>
+                          <a:ea typeface="Apple SD Gothic Neo" panose="02000300000000000000" pitchFamily="2" charset="-127"/>
+                        </a:rPr>
+                        <a:t>progress':False</a:t>
+                      </a:r>
+                      <a:r>
+                        <a:rPr lang="en-US" sz="1000" dirty="0">
+                          <a:latin typeface="Apple SD Gothic Neo" panose="02000300000000000000" pitchFamily="2" charset="-127"/>
+                          <a:ea typeface="Apple SD Gothic Neo" panose="02000300000000000000" pitchFamily="2" charset="-127"/>
+                        </a:rPr>
+                        <a:t>, '</a:t>
+                      </a:r>
+                      <a:r>
+                        <a:rPr lang="en-US" sz="1000" dirty="0" err="1">
+                          <a:latin typeface="Apple SD Gothic Neo" panose="02000300000000000000" pitchFamily="2" charset="-127"/>
+                          <a:ea typeface="Apple SD Gothic Neo" panose="02000300000000000000" pitchFamily="2" charset="-127"/>
+                        </a:rPr>
+                        <a:t>guess':False</a:t>
+                      </a:r>
+                      <a:r>
+                        <a:rPr lang="en-US" sz="1000" dirty="0">
+                          <a:latin typeface="Apple SD Gothic Neo" panose="02000300000000000000" pitchFamily="2" charset="-127"/>
+                          <a:ea typeface="Apple SD Gothic Neo" panose="02000300000000000000" pitchFamily="2" charset="-127"/>
+                        </a:rPr>
+                        <a:t>, </a:t>
+                      </a:r>
+                      <a:r>
+                        <a:rPr lang="en-US" sz="1000" strike="sngStrike" dirty="0">
+                          <a:latin typeface="Apple SD Gothic Neo" panose="02000300000000000000" pitchFamily="2" charset="-127"/>
+                          <a:ea typeface="Apple SD Gothic Neo" panose="02000300000000000000" pitchFamily="2" charset="-127"/>
+                        </a:rPr>
+                        <a:t>'</a:t>
+                      </a:r>
+                      <a:r>
+                        <a:rPr lang="en-US" sz="1000" strike="sngStrike" dirty="0" err="1">
+                          <a:latin typeface="Apple SD Gothic Neo" panose="02000300000000000000" pitchFamily="2" charset="-127"/>
+                          <a:ea typeface="Apple SD Gothic Neo" panose="02000300000000000000" pitchFamily="2" charset="-127"/>
+                        </a:rPr>
+                        <a:t>no_progress</a:t>
+                      </a:r>
+                      <a:r>
+                        <a:rPr lang="en-US" sz="1000" strike="sngStrike" dirty="0">
+                          <a:latin typeface="Apple SD Gothic Neo" panose="02000300000000000000" pitchFamily="2" charset="-127"/>
+                          <a:ea typeface="Apple SD Gothic Neo" panose="02000300000000000000" pitchFamily="2" charset="-127"/>
+                        </a:rPr>
+                        <a:t>’ : False</a:t>
+                      </a:r>
+                      <a:r>
+                        <a:rPr lang="en-US" sz="1000" dirty="0">
+                          <a:latin typeface="Apple SD Gothic Neo" panose="02000300000000000000" pitchFamily="2" charset="-127"/>
+                          <a:ea typeface="Apple SD Gothic Neo" panose="02000300000000000000" pitchFamily="2" charset="-127"/>
+                        </a:rPr>
+                        <a:t>})</a:t>
+                      </a:r>
+                    </a:p>
+                  </a:txBody>
+                  <a:tcPr marL="74295" marR="74295" marT="37148" marB="37148"/>
+                </a:tc>
+                <a:extLst>
+                  <a:ext uri="{0D108BD9-81ED-4DB2-BD59-A6C34878D82A}">
+                    <a16:rowId xmlns:a16="http://schemas.microsoft.com/office/drawing/2014/main" val="3982229057"/>
+                  </a:ext>
+                </a:extLst>
+              </a:tr>
+              <a:tr h="278079">
+                <a:tc>
+                  <a:txBody>
+                    <a:bodyPr/>
+                    <a:lstStyle/>
+                    <a:p>
+                      <a:r>
+                        <a:rPr lang="en-US" sz="1000" b="1">
+                          <a:latin typeface="Apple SD Gothic Neo" panose="02000300000000000000" pitchFamily="2" charset="-127"/>
+                          <a:ea typeface="Apple SD Gothic Neo" panose="02000300000000000000" pitchFamily="2" charset="-127"/>
+                        </a:rPr>
+                        <a:t>Episodes </a:t>
+                      </a:r>
+                    </a:p>
+                  </a:txBody>
+                  <a:tcPr marL="74295" marR="74295" marT="37148" marB="37148"/>
+                </a:tc>
+                <a:tc>
+                  <a:txBody>
+                    <a:bodyPr/>
+                    <a:lstStyle/>
+                    <a:p>
+                      <a:r>
+                        <a:rPr lang="en-US" altLang="ko-KR" sz="1000" dirty="0">
+                          <a:latin typeface="Apple SD Gothic Neo" panose="02000300000000000000" pitchFamily="2" charset="-127"/>
+                          <a:ea typeface="Apple SD Gothic Neo" panose="02000300000000000000" pitchFamily="2" charset="-127"/>
+                        </a:rPr>
+                        <a:t>20</a:t>
+                      </a:r>
+                      <a:r>
+                        <a:rPr lang="ko-KR" altLang="en-US" sz="1000" dirty="0">
+                          <a:latin typeface="Apple SD Gothic Neo" panose="02000300000000000000" pitchFamily="2" charset="-127"/>
+                          <a:ea typeface="Apple SD Gothic Neo" panose="02000300000000000000" pitchFamily="2" charset="-127"/>
+                        </a:rPr>
+                        <a:t>만 </a:t>
+                      </a:r>
+                      <a:endParaRPr lang="en-US" sz="1000" dirty="0">
+                        <a:latin typeface="Apple SD Gothic Neo" panose="02000300000000000000" pitchFamily="2" charset="-127"/>
+                        <a:ea typeface="Apple SD Gothic Neo" panose="02000300000000000000" pitchFamily="2" charset="-127"/>
+                      </a:endParaRPr>
+                    </a:p>
+                  </a:txBody>
+                  <a:tcPr marL="74295" marR="74295" marT="37148" marB="37148"/>
+                </a:tc>
+                <a:extLst>
+                  <a:ext uri="{0D108BD9-81ED-4DB2-BD59-A6C34878D82A}">
+                    <a16:rowId xmlns:a16="http://schemas.microsoft.com/office/drawing/2014/main" val="3687000622"/>
+                  </a:ext>
+                </a:extLst>
+              </a:tr>
+              <a:tr h="278079">
+                <a:tc>
+                  <a:txBody>
+                    <a:bodyPr/>
+                    <a:lstStyle/>
+                    <a:p>
+                      <a:r>
+                        <a:rPr lang="en-US" sz="1000" b="1">
+                          <a:latin typeface="Apple SD Gothic Neo" panose="02000300000000000000" pitchFamily="2" charset="-127"/>
+                          <a:ea typeface="Apple SD Gothic Neo" panose="02000300000000000000" pitchFamily="2" charset="-127"/>
+                        </a:rPr>
+                        <a:t>Train / Valid Intervals</a:t>
+                      </a:r>
+                    </a:p>
+                  </a:txBody>
+                  <a:tcPr marL="74295" marR="74295" marT="37148" marB="37148"/>
+                </a:tc>
+                <a:tc>
+                  <a:txBody>
+                    <a:bodyPr/>
+                    <a:lstStyle/>
+                    <a:p>
+                      <a:pPr marL="171450" indent="-171450">
+                        <a:buFont typeface="System Font Regular"/>
+                        <a:buChar char="-"/>
+                      </a:pPr>
+                      <a:r>
+                        <a:rPr lang="en-US" sz="1000" dirty="0">
+                          <a:latin typeface="Apple SD Gothic Neo" panose="02000300000000000000" pitchFamily="2" charset="-127"/>
+                          <a:ea typeface="Apple SD Gothic Neo" panose="02000300000000000000" pitchFamily="2" charset="-127"/>
+                        </a:rPr>
+                        <a:t>PRINT_INTERVAL = 100</a:t>
+                      </a:r>
+                    </a:p>
+                    <a:p>
+                      <a:pPr marL="171450" indent="-171450">
+                        <a:buFont typeface="System Font Regular"/>
+                        <a:buChar char="-"/>
+                      </a:pPr>
+                      <a:r>
+                        <a:rPr lang="en-US" sz="1000" dirty="0">
+                          <a:latin typeface="Apple SD Gothic Neo" panose="02000300000000000000" pitchFamily="2" charset="-127"/>
+                          <a:ea typeface="Apple SD Gothic Neo" panose="02000300000000000000" pitchFamily="2" charset="-127"/>
+                        </a:rPr>
+                        <a:t>VISUAL_INTERVAL = 100</a:t>
+                      </a:r>
+                    </a:p>
+                    <a:p>
+                      <a:pPr marL="171450" indent="-171450">
+                        <a:buFont typeface="System Font Regular"/>
+                        <a:buChar char="-"/>
+                      </a:pPr>
+                      <a:r>
+                        <a:rPr lang="en-US" sz="1000" dirty="0">
+                          <a:latin typeface="Apple SD Gothic Neo" panose="02000300000000000000" pitchFamily="2" charset="-127"/>
+                          <a:ea typeface="Apple SD Gothic Neo" panose="02000300000000000000" pitchFamily="2" charset="-127"/>
+                        </a:rPr>
+                        <a:t>VALID_SAMPLE = 1000</a:t>
+                      </a:r>
+                    </a:p>
+                    <a:p>
+                      <a:pPr marL="171450" indent="-171450">
+                        <a:buFont typeface="System Font Regular"/>
+                        <a:buChar char="-"/>
+                      </a:pPr>
+                      <a:r>
+                        <a:rPr lang="en-US" sz="1000" dirty="0">
+                          <a:latin typeface="Apple SD Gothic Neo" panose="02000300000000000000" pitchFamily="2" charset="-127"/>
+                          <a:ea typeface="Apple SD Gothic Neo" panose="02000300000000000000" pitchFamily="2" charset="-127"/>
+                        </a:rPr>
+                        <a:t>VALID_INTERVAL = 10</a:t>
+                      </a:r>
+                    </a:p>
+                  </a:txBody>
+                  <a:tcPr marL="74295" marR="74295" marT="37148" marB="37148"/>
+                </a:tc>
+                <a:extLst>
+                  <a:ext uri="{0D108BD9-81ED-4DB2-BD59-A6C34878D82A}">
+                    <a16:rowId xmlns:a16="http://schemas.microsoft.com/office/drawing/2014/main" val="441558093"/>
+                  </a:ext>
+                </a:extLst>
+              </a:tr>
+              <a:tr h="264001">
+                <a:tc>
+                  <a:txBody>
+                    <a:bodyPr/>
+                    <a:lstStyle/>
+                    <a:p>
+                      <a:r>
+                        <a:rPr lang="ko-KR" altLang="en-US" sz="1000" b="1">
+                          <a:latin typeface="Apple SD Gothic Neo" panose="02000300000000000000" pitchFamily="2" charset="-127"/>
+                          <a:ea typeface="Apple SD Gothic Neo" panose="02000300000000000000" pitchFamily="2" charset="-127"/>
+                        </a:rPr>
+                        <a:t>최고 성능</a:t>
+                      </a:r>
+                      <a:endParaRPr lang="en-US" sz="1000" b="1">
+                        <a:latin typeface="Apple SD Gothic Neo" panose="02000300000000000000" pitchFamily="2" charset="-127"/>
+                        <a:ea typeface="Apple SD Gothic Neo" panose="02000300000000000000" pitchFamily="2" charset="-127"/>
+                      </a:endParaRPr>
+                    </a:p>
+                  </a:txBody>
+                  <a:tcPr marL="74295" marR="74295" marT="37148" marB="37148"/>
+                </a:tc>
+                <a:tc>
+                  <a:txBody>
+                    <a:bodyPr/>
+                    <a:lstStyle/>
+                    <a:p>
+                      <a:r>
+                        <a:rPr lang="en-US" altLang="ko-KR" sz="1000" dirty="0">
+                          <a:latin typeface="Apple SD Gothic Neo" panose="02000300000000000000" pitchFamily="2" charset="-127"/>
+                          <a:ea typeface="Apple SD Gothic Neo" panose="02000300000000000000" pitchFamily="2" charset="-127"/>
+                        </a:rPr>
+                        <a:t>Train : 0.56 | valid : 0.467 | success : 0.447</a:t>
+                      </a:r>
+                    </a:p>
+                  </a:txBody>
+                  <a:tcPr marL="74295" marR="74295" marT="37148" marB="37148"/>
+                </a:tc>
+                <a:extLst>
+                  <a:ext uri="{0D108BD9-81ED-4DB2-BD59-A6C34878D82A}">
+                    <a16:rowId xmlns:a16="http://schemas.microsoft.com/office/drawing/2014/main" val="2720601108"/>
+                  </a:ext>
+                </a:extLst>
+              </a:tr>
+            </a:tbl>
+          </a:graphicData>
+        </a:graphic>
+      </p:graphicFrame>
+      <p:sp>
+        <p:nvSpPr>
+          <p:cNvPr id="9" name="Rectangle 8">
+            <a:extLst>
+              <a:ext uri="{FF2B5EF4-FFF2-40B4-BE49-F238E27FC236}">
+                <a16:creationId xmlns:a16="http://schemas.microsoft.com/office/drawing/2014/main" id="{3B59BD3A-8F60-9588-6BD2-6BA5C2409AFB}"/>
+              </a:ext>
+            </a:extLst>
+          </p:cNvPr>
+          <p:cNvSpPr/>
+          <p:nvPr/>
+        </p:nvSpPr>
+        <p:spPr>
+          <a:xfrm>
+            <a:off x="4059091" y="3652801"/>
+            <a:ext cx="5121531" cy="912506"/>
+          </a:xfrm>
+          <a:prstGeom prst="rect">
+            <a:avLst/>
+          </a:prstGeom>
+          <a:solidFill>
+            <a:srgbClr val="F7F7F7"/>
+          </a:solidFill>
+        </p:spPr>
+        <p:style>
+          <a:lnRef idx="2">
+            <a:schemeClr val="dk1">
+              <a:shade val="15000"/>
+            </a:schemeClr>
+          </a:lnRef>
+          <a:fillRef idx="1">
+            <a:schemeClr val="dk1"/>
+          </a:fillRef>
+          <a:effectRef idx="0">
+            <a:schemeClr val="dk1"/>
+          </a:effectRef>
+          <a:fontRef idx="minor">
+            <a:schemeClr val="lt1"/>
+          </a:fontRef>
+        </p:style>
+        <p:txBody>
+          <a:bodyPr rtlCol="0" anchor="ctr"/>
+          <a:lstStyle/>
+          <a:p>
+            <a:r>
+              <a:rPr lang="en-US" sz="1100" dirty="0">
+                <a:solidFill>
+                  <a:schemeClr val="tx1"/>
+                </a:solidFill>
+                <a:latin typeface="Apple SD Gothic Neo" panose="02000300000000000000" pitchFamily="2" charset="-127"/>
+                <a:ea typeface="Apple SD Gothic Neo" panose="02000300000000000000" pitchFamily="2" charset="-127"/>
+              </a:rPr>
+              <a:t>Scalar</a:t>
+            </a:r>
+            <a:r>
+              <a:rPr lang="ko-KR" altLang="en-US" sz="1100" dirty="0">
+                <a:solidFill>
+                  <a:schemeClr val="tx1"/>
+                </a:solidFill>
+                <a:latin typeface="Apple SD Gothic Neo" panose="02000300000000000000" pitchFamily="2" charset="-127"/>
+                <a:ea typeface="Apple SD Gothic Neo" panose="02000300000000000000" pitchFamily="2" charset="-127"/>
+              </a:rPr>
+              <a:t>에서도 </a:t>
+            </a:r>
+            <a:r>
+              <a:rPr lang="en-US" altLang="ko-KR" sz="1100" dirty="0">
+                <a:solidFill>
+                  <a:schemeClr val="tx1"/>
+                </a:solidFill>
+                <a:latin typeface="Apple SD Gothic Neo" panose="02000300000000000000" pitchFamily="2" charset="-127"/>
+                <a:ea typeface="Apple SD Gothic Neo" panose="02000300000000000000" pitchFamily="2" charset="-127"/>
+              </a:rPr>
+              <a:t>vector</a:t>
+            </a:r>
+            <a:r>
+              <a:rPr lang="ko-KR" altLang="en-US" sz="1100" dirty="0">
+                <a:solidFill>
+                  <a:schemeClr val="tx1"/>
+                </a:solidFill>
+                <a:latin typeface="Apple SD Gothic Neo" panose="02000300000000000000" pitchFamily="2" charset="-127"/>
+                <a:ea typeface="Apple SD Gothic Neo" panose="02000300000000000000" pitchFamily="2" charset="-127"/>
+              </a:rPr>
+              <a:t> 때와 유사한 양상이 보였다</a:t>
+            </a:r>
+            <a:r>
+              <a:rPr lang="en-US" altLang="ko-KR" sz="1100" dirty="0">
+                <a:solidFill>
+                  <a:schemeClr val="tx1"/>
+                </a:solidFill>
+                <a:latin typeface="Apple SD Gothic Neo" panose="02000300000000000000" pitchFamily="2" charset="-127"/>
+                <a:ea typeface="Apple SD Gothic Neo" panose="02000300000000000000" pitchFamily="2" charset="-127"/>
+              </a:rPr>
+              <a:t>.</a:t>
+            </a:r>
+            <a:r>
+              <a:rPr lang="ko-KR" altLang="en-US" sz="1100" dirty="0">
+                <a:solidFill>
+                  <a:schemeClr val="tx1"/>
+                </a:solidFill>
+                <a:latin typeface="Apple SD Gothic Neo" panose="02000300000000000000" pitchFamily="2" charset="-127"/>
+                <a:ea typeface="Apple SD Gothic Neo" panose="02000300000000000000" pitchFamily="2" charset="-127"/>
+              </a:rPr>
+              <a:t> </a:t>
+            </a:r>
+            <a:endParaRPr lang="en-US" sz="1100" dirty="0">
+              <a:solidFill>
+                <a:schemeClr val="tx1"/>
+              </a:solidFill>
+              <a:latin typeface="Apple SD Gothic Neo" panose="02000300000000000000" pitchFamily="2" charset="-127"/>
+              <a:ea typeface="Apple SD Gothic Neo" panose="02000300000000000000" pitchFamily="2" charset="-127"/>
+            </a:endParaRPr>
+          </a:p>
+        </p:txBody>
+      </p:sp>
+      <p:sp>
+        <p:nvSpPr>
+          <p:cNvPr id="15" name="Rectangle 14">
+            <a:extLst>
+              <a:ext uri="{FF2B5EF4-FFF2-40B4-BE49-F238E27FC236}">
+                <a16:creationId xmlns:a16="http://schemas.microsoft.com/office/drawing/2014/main" id="{2258385B-72C2-E9D0-280E-59A937C055F8}"/>
+              </a:ext>
+            </a:extLst>
+          </p:cNvPr>
+          <p:cNvSpPr/>
+          <p:nvPr/>
+        </p:nvSpPr>
+        <p:spPr>
+          <a:xfrm>
+            <a:off x="4059088" y="608180"/>
+            <a:ext cx="5121531" cy="999911"/>
+          </a:xfrm>
+          <a:prstGeom prst="rect">
+            <a:avLst/>
+          </a:prstGeom>
+          <a:solidFill>
+            <a:srgbClr val="F7F7F7"/>
+          </a:solidFill>
+          <a:ln>
+            <a:solidFill>
+              <a:schemeClr val="tx1"/>
+            </a:solidFill>
+          </a:ln>
+        </p:spPr>
+        <p:style>
+          <a:lnRef idx="2">
+            <a:schemeClr val="accent1">
+              <a:shade val="15000"/>
+            </a:schemeClr>
+          </a:lnRef>
+          <a:fillRef idx="1">
+            <a:schemeClr val="accent1"/>
+          </a:fillRef>
+          <a:effectRef idx="0">
+            <a:schemeClr val="accent1"/>
+          </a:effectRef>
+          <a:fontRef idx="minor">
+            <a:schemeClr val="lt1"/>
+          </a:fontRef>
+        </p:style>
+        <p:txBody>
+          <a:bodyPr rtlCol="0" anchor="ctr"/>
+          <a:lstStyle/>
+          <a:p>
+            <a:r>
+              <a:rPr lang="en-US" sz="1000" b="0" dirty="0">
+                <a:solidFill>
+                  <a:srgbClr val="AF00DB"/>
+                </a:solidFill>
+                <a:effectLst/>
+                <a:highlight>
+                  <a:srgbClr val="F7F7F7"/>
+                </a:highlight>
+                <a:latin typeface="Courier New" panose="02070309020205020404" pitchFamily="49" charset="0"/>
+              </a:rPr>
+              <a:t>from</a:t>
+            </a:r>
+            <a:r>
+              <a:rPr lang="en-US" sz="1000" b="0" dirty="0">
+                <a:solidFill>
+                  <a:srgbClr val="000000"/>
+                </a:solidFill>
+                <a:effectLst/>
+                <a:highlight>
+                  <a:srgbClr val="F7F7F7"/>
+                </a:highlight>
+                <a:latin typeface="Courier New" panose="02070309020205020404" pitchFamily="49" charset="0"/>
+              </a:rPr>
+              <a:t> codes.environment.reward5 </a:t>
+            </a:r>
+            <a:r>
+              <a:rPr lang="en-US" sz="1000" b="0" dirty="0">
+                <a:solidFill>
+                  <a:srgbClr val="AF00DB"/>
+                </a:solidFill>
+                <a:effectLst/>
+                <a:highlight>
+                  <a:srgbClr val="F7F7F7"/>
+                </a:highlight>
+                <a:latin typeface="Courier New" panose="02070309020205020404" pitchFamily="49" charset="0"/>
+              </a:rPr>
+              <a:t>import</a:t>
+            </a:r>
+            <a:r>
+              <a:rPr lang="en-US" sz="1000" b="0" dirty="0">
+                <a:solidFill>
+                  <a:srgbClr val="000000"/>
+                </a:solidFill>
+                <a:effectLst/>
+                <a:highlight>
+                  <a:srgbClr val="F7F7F7"/>
+                </a:highlight>
+                <a:latin typeface="Courier New" panose="02070309020205020404" pitchFamily="49" charset="0"/>
+              </a:rPr>
+              <a:t> *</a:t>
+            </a:r>
+          </a:p>
+          <a:p>
+            <a:r>
+              <a:rPr lang="en-US" sz="1000" b="0" dirty="0">
+                <a:solidFill>
+                  <a:srgbClr val="AF00DB"/>
+                </a:solidFill>
+                <a:effectLst/>
+                <a:highlight>
+                  <a:srgbClr val="FFFF00"/>
+                </a:highlight>
+                <a:latin typeface="Courier New" panose="02070309020205020404" pitchFamily="49" charset="0"/>
+              </a:rPr>
+              <a:t>from</a:t>
+            </a:r>
+            <a:r>
+              <a:rPr lang="en-US" sz="1000" b="0" dirty="0">
+                <a:solidFill>
+                  <a:srgbClr val="000000"/>
+                </a:solidFill>
+                <a:effectLst/>
+                <a:highlight>
+                  <a:srgbClr val="FFFF00"/>
+                </a:highlight>
+                <a:latin typeface="Courier New" panose="02070309020205020404" pitchFamily="49" charset="0"/>
+              </a:rPr>
+              <a:t> </a:t>
+            </a:r>
+            <a:r>
+              <a:rPr lang="en-US" sz="1000" b="0" dirty="0" err="1">
+                <a:solidFill>
+                  <a:srgbClr val="000000"/>
+                </a:solidFill>
+                <a:effectLst/>
+                <a:highlight>
+                  <a:srgbClr val="FFFF00"/>
+                </a:highlight>
+                <a:latin typeface="Courier New" panose="02070309020205020404" pitchFamily="49" charset="0"/>
+              </a:rPr>
+              <a:t>codes.agent.scalarDQNRevealAware</a:t>
+            </a:r>
+            <a:r>
+              <a:rPr lang="en-US" sz="1000" b="0" dirty="0">
+                <a:solidFill>
+                  <a:srgbClr val="000000"/>
+                </a:solidFill>
+                <a:effectLst/>
+                <a:highlight>
+                  <a:srgbClr val="FFFF00"/>
+                </a:highlight>
+                <a:latin typeface="Courier New" panose="02070309020205020404" pitchFamily="49" charset="0"/>
+              </a:rPr>
+              <a:t> </a:t>
+            </a:r>
+            <a:r>
+              <a:rPr lang="en-US" sz="1000" b="0" dirty="0">
+                <a:solidFill>
+                  <a:srgbClr val="AF00DB"/>
+                </a:solidFill>
+                <a:effectLst/>
+                <a:highlight>
+                  <a:srgbClr val="FFFF00"/>
+                </a:highlight>
+                <a:latin typeface="Courier New" panose="02070309020205020404" pitchFamily="49" charset="0"/>
+              </a:rPr>
+              <a:t>import</a:t>
+            </a:r>
+            <a:r>
+              <a:rPr lang="en-US" sz="1000" b="0" dirty="0">
+                <a:solidFill>
+                  <a:srgbClr val="000000"/>
+                </a:solidFill>
+                <a:effectLst/>
+                <a:highlight>
+                  <a:srgbClr val="FFFF00"/>
+                </a:highlight>
+                <a:latin typeface="Courier New" panose="02070309020205020404" pitchFamily="49" charset="0"/>
+              </a:rPr>
+              <a:t> *</a:t>
+            </a:r>
+          </a:p>
+          <a:p>
+            <a:r>
+              <a:rPr lang="en-US" sz="1000" b="0" dirty="0">
+                <a:solidFill>
+                  <a:srgbClr val="AF00DB"/>
+                </a:solidFill>
+                <a:effectLst/>
+                <a:highlight>
+                  <a:srgbClr val="F7F7F7"/>
+                </a:highlight>
+                <a:latin typeface="Courier New" panose="02070309020205020404" pitchFamily="49" charset="0"/>
+              </a:rPr>
+              <a:t>from</a:t>
+            </a:r>
+            <a:r>
+              <a:rPr lang="en-US" sz="1000" b="0" dirty="0">
+                <a:solidFill>
+                  <a:srgbClr val="000000"/>
+                </a:solidFill>
+                <a:effectLst/>
+                <a:highlight>
+                  <a:srgbClr val="F7F7F7"/>
+                </a:highlight>
+                <a:latin typeface="Courier New" panose="02070309020205020404" pitchFamily="49" charset="0"/>
+              </a:rPr>
+              <a:t> </a:t>
+            </a:r>
+            <a:r>
+              <a:rPr lang="en-US" sz="1000" b="0" dirty="0" err="1">
+                <a:solidFill>
+                  <a:srgbClr val="000000"/>
+                </a:solidFill>
+                <a:effectLst/>
+                <a:highlight>
+                  <a:srgbClr val="F7F7F7"/>
+                </a:highlight>
+                <a:latin typeface="Courier New" panose="02070309020205020404" pitchFamily="49" charset="0"/>
+              </a:rPr>
+              <a:t>codes.net.basicWithBias</a:t>
+            </a:r>
+            <a:r>
+              <a:rPr lang="en-US" sz="1000" b="0" dirty="0">
+                <a:solidFill>
+                  <a:srgbClr val="000000"/>
+                </a:solidFill>
+                <a:effectLst/>
+                <a:highlight>
+                  <a:srgbClr val="F7F7F7"/>
+                </a:highlight>
+                <a:latin typeface="Courier New" panose="02070309020205020404" pitchFamily="49" charset="0"/>
+              </a:rPr>
+              <a:t> </a:t>
+            </a:r>
+            <a:r>
+              <a:rPr lang="en-US" sz="1000" b="0" dirty="0">
+                <a:solidFill>
+                  <a:srgbClr val="AF00DB"/>
+                </a:solidFill>
+                <a:effectLst/>
+                <a:highlight>
+                  <a:srgbClr val="F7F7F7"/>
+                </a:highlight>
+                <a:latin typeface="Courier New" panose="02070309020205020404" pitchFamily="49" charset="0"/>
+              </a:rPr>
+              <a:t>import</a:t>
+            </a:r>
+            <a:r>
+              <a:rPr lang="en-US" sz="1000" b="0" dirty="0">
+                <a:solidFill>
+                  <a:srgbClr val="000000"/>
+                </a:solidFill>
+                <a:effectLst/>
+                <a:highlight>
+                  <a:srgbClr val="F7F7F7"/>
+                </a:highlight>
+                <a:latin typeface="Courier New" panose="02070309020205020404" pitchFamily="49" charset="0"/>
+              </a:rPr>
+              <a:t> *</a:t>
+            </a:r>
+          </a:p>
+          <a:p>
+            <a:r>
+              <a:rPr lang="en-US" sz="1000" b="0" dirty="0">
+                <a:solidFill>
+                  <a:srgbClr val="AF00DB"/>
+                </a:solidFill>
+                <a:effectLst/>
+                <a:highlight>
+                  <a:srgbClr val="F7F7F7"/>
+                </a:highlight>
+                <a:latin typeface="Courier New" panose="02070309020205020404" pitchFamily="49" charset="0"/>
+              </a:rPr>
+              <a:t>from</a:t>
+            </a:r>
+            <a:r>
+              <a:rPr lang="en-US" sz="1000" b="0" dirty="0">
+                <a:solidFill>
+                  <a:srgbClr val="000000"/>
+                </a:solidFill>
+                <a:effectLst/>
+                <a:highlight>
+                  <a:srgbClr val="F7F7F7"/>
+                </a:highlight>
+                <a:latin typeface="Courier New" panose="02070309020205020404" pitchFamily="49" charset="0"/>
+              </a:rPr>
+              <a:t> </a:t>
+            </a:r>
+            <a:r>
+              <a:rPr lang="en-US" sz="1000" b="0" dirty="0" err="1">
+                <a:solidFill>
+                  <a:srgbClr val="000000"/>
+                </a:solidFill>
+                <a:effectLst/>
+                <a:highlight>
+                  <a:srgbClr val="F7F7F7"/>
+                </a:highlight>
+                <a:latin typeface="Courier New" panose="02070309020205020404" pitchFamily="49" charset="0"/>
+              </a:rPr>
+              <a:t>codes.trainer.validShutDown</a:t>
+            </a:r>
+            <a:r>
+              <a:rPr lang="en-US" sz="1000" b="0" dirty="0">
+                <a:solidFill>
+                  <a:srgbClr val="000000"/>
+                </a:solidFill>
+                <a:effectLst/>
+                <a:highlight>
+                  <a:srgbClr val="F7F7F7"/>
+                </a:highlight>
+                <a:latin typeface="Courier New" panose="02070309020205020404" pitchFamily="49" charset="0"/>
+              </a:rPr>
+              <a:t> </a:t>
+            </a:r>
+            <a:r>
+              <a:rPr lang="en-US" sz="1000" b="0" dirty="0">
+                <a:solidFill>
+                  <a:srgbClr val="AF00DB"/>
+                </a:solidFill>
+                <a:effectLst/>
+                <a:highlight>
+                  <a:srgbClr val="F7F7F7"/>
+                </a:highlight>
+                <a:latin typeface="Courier New" panose="02070309020205020404" pitchFamily="49" charset="0"/>
+              </a:rPr>
+              <a:t>import</a:t>
+            </a:r>
+            <a:r>
+              <a:rPr lang="en-US" sz="1000" b="0" dirty="0">
+                <a:solidFill>
+                  <a:srgbClr val="000000"/>
+                </a:solidFill>
+                <a:effectLst/>
+                <a:highlight>
+                  <a:srgbClr val="F7F7F7"/>
+                </a:highlight>
+                <a:latin typeface="Courier New" panose="02070309020205020404" pitchFamily="49" charset="0"/>
+              </a:rPr>
+              <a:t> *</a:t>
+            </a:r>
+          </a:p>
+          <a:p>
+            <a:r>
+              <a:rPr lang="en-US" sz="1000" b="0" dirty="0">
+                <a:solidFill>
+                  <a:srgbClr val="AF00DB"/>
+                </a:solidFill>
+                <a:effectLst/>
+                <a:highlight>
+                  <a:srgbClr val="F7F7F7"/>
+                </a:highlight>
+                <a:latin typeface="Courier New" panose="02070309020205020404" pitchFamily="49" charset="0"/>
+              </a:rPr>
+              <a:t>from</a:t>
+            </a:r>
+            <a:r>
+              <a:rPr lang="en-US" sz="1000" b="0" dirty="0">
+                <a:solidFill>
+                  <a:srgbClr val="000000"/>
+                </a:solidFill>
+                <a:effectLst/>
+                <a:highlight>
+                  <a:srgbClr val="F7F7F7"/>
+                </a:highlight>
+                <a:latin typeface="Courier New" panose="02070309020205020404" pitchFamily="49" charset="0"/>
+              </a:rPr>
+              <a:t> </a:t>
+            </a:r>
+            <a:r>
+              <a:rPr lang="en-US" sz="1000" b="0" dirty="0" err="1">
+                <a:solidFill>
+                  <a:srgbClr val="000000"/>
+                </a:solidFill>
+                <a:effectLst/>
+                <a:highlight>
+                  <a:srgbClr val="F7F7F7"/>
+                </a:highlight>
+                <a:latin typeface="Courier New" panose="02070309020205020404" pitchFamily="49" charset="0"/>
+              </a:rPr>
+              <a:t>codes.tester.validShutDown</a:t>
+            </a:r>
+            <a:r>
+              <a:rPr lang="en-US" sz="1000" b="0" dirty="0">
+                <a:solidFill>
+                  <a:srgbClr val="000000"/>
+                </a:solidFill>
+                <a:effectLst/>
+                <a:highlight>
+                  <a:srgbClr val="F7F7F7"/>
+                </a:highlight>
+                <a:latin typeface="Courier New" panose="02070309020205020404" pitchFamily="49" charset="0"/>
+              </a:rPr>
+              <a:t> </a:t>
+            </a:r>
+            <a:r>
+              <a:rPr lang="en-US" sz="1000" b="0" dirty="0">
+                <a:solidFill>
+                  <a:srgbClr val="AF00DB"/>
+                </a:solidFill>
+                <a:effectLst/>
+                <a:highlight>
+                  <a:srgbClr val="F7F7F7"/>
+                </a:highlight>
+                <a:latin typeface="Courier New" panose="02070309020205020404" pitchFamily="49" charset="0"/>
+              </a:rPr>
+              <a:t>import</a:t>
+            </a:r>
+            <a:r>
+              <a:rPr lang="en-US" sz="1000" b="0" dirty="0">
+                <a:solidFill>
+                  <a:srgbClr val="000000"/>
+                </a:solidFill>
+                <a:effectLst/>
+                <a:highlight>
+                  <a:srgbClr val="F7F7F7"/>
+                </a:highlight>
+                <a:latin typeface="Courier New" panose="02070309020205020404" pitchFamily="49" charset="0"/>
+              </a:rPr>
+              <a:t> *</a:t>
+            </a:r>
+          </a:p>
+        </p:txBody>
+      </p:sp>
+      <p:graphicFrame>
+        <p:nvGraphicFramePr>
+          <p:cNvPr id="16" name="Table 15">
+            <a:extLst>
+              <a:ext uri="{FF2B5EF4-FFF2-40B4-BE49-F238E27FC236}">
+                <a16:creationId xmlns:a16="http://schemas.microsoft.com/office/drawing/2014/main" id="{AD6D63DA-54D3-B472-9C81-14F3F97EF19E}"/>
+              </a:ext>
+            </a:extLst>
+          </p:cNvPr>
+          <p:cNvGraphicFramePr>
+            <a:graphicFrameLocks noGrp="1"/>
+          </p:cNvGraphicFramePr>
+          <p:nvPr>
+            <p:extLst>
+              <p:ext uri="{D42A27DB-BD31-4B8C-83A1-F6EECF244321}">
+                <p14:modId xmlns:p14="http://schemas.microsoft.com/office/powerpoint/2010/main" val="745917264"/>
+              </p:ext>
+            </p:extLst>
+          </p:nvPr>
+        </p:nvGraphicFramePr>
+        <p:xfrm>
+          <a:off x="4059088" y="1794798"/>
+          <a:ext cx="5121532" cy="1647940"/>
+        </p:xfrm>
+        <a:graphic>
+          <a:graphicData uri="http://schemas.openxmlformats.org/drawingml/2006/table">
+            <a:tbl>
+              <a:tblPr firstRow="1" bandRow="1">
+                <a:tableStyleId>{793D81CF-94F2-401A-BA57-92F5A7B2D0C5}</a:tableStyleId>
+              </a:tblPr>
+              <a:tblGrid>
+                <a:gridCol w="980996">
+                  <a:extLst>
+                    <a:ext uri="{9D8B030D-6E8A-4147-A177-3AD203B41FA5}">
+                      <a16:colId xmlns:a16="http://schemas.microsoft.com/office/drawing/2014/main" val="2599444794"/>
+                    </a:ext>
+                  </a:extLst>
+                </a:gridCol>
+                <a:gridCol w="1993244">
+                  <a:extLst>
+                    <a:ext uri="{9D8B030D-6E8A-4147-A177-3AD203B41FA5}">
+                      <a16:colId xmlns:a16="http://schemas.microsoft.com/office/drawing/2014/main" val="1554349779"/>
+                    </a:ext>
+                  </a:extLst>
+                </a:gridCol>
+                <a:gridCol w="2147292">
+                  <a:extLst>
+                    <a:ext uri="{9D8B030D-6E8A-4147-A177-3AD203B41FA5}">
+                      <a16:colId xmlns:a16="http://schemas.microsoft.com/office/drawing/2014/main" val="3592938814"/>
+                    </a:ext>
+                  </a:extLst>
+                </a:gridCol>
+              </a:tblGrid>
+              <a:tr h="239983">
+                <a:tc>
+                  <a:txBody>
+                    <a:bodyPr/>
+                    <a:lstStyle/>
+                    <a:p>
+                      <a:pPr marL="0" marR="0" lvl="0" indent="0" algn="l" defTabSz="914400" rtl="0" eaLnBrk="1" fontAlgn="auto" latinLnBrk="0" hangingPunct="1">
+                        <a:lnSpc>
+                          <a:spcPct val="100000"/>
+                        </a:lnSpc>
+                        <a:spcBef>
+                          <a:spcPts val="0"/>
+                        </a:spcBef>
+                        <a:spcAft>
+                          <a:spcPts val="0"/>
+                        </a:spcAft>
+                        <a:buClrTx/>
+                        <a:buSzTx/>
+                        <a:buFontTx/>
+                        <a:buNone/>
+                        <a:tabLst/>
+                        <a:defRPr/>
+                      </a:pPr>
+                      <a:endParaRPr lang="en-US" sz="1500">
+                        <a:latin typeface="Apple SD Gothic Neo" panose="02000300000000000000" pitchFamily="2" charset="-127"/>
+                        <a:ea typeface="Apple SD Gothic Neo" panose="02000300000000000000" pitchFamily="2" charset="-127"/>
+                      </a:endParaRPr>
+                    </a:p>
+                  </a:txBody>
+                  <a:tcPr marL="74295" marR="74295" marT="37148" marB="37148"/>
+                </a:tc>
+                <a:tc>
+                  <a:txBody>
+                    <a:bodyPr/>
+                    <a:lstStyle/>
+                    <a:p>
+                      <a:r>
+                        <a:rPr lang="en-US" sz="1500">
+                          <a:latin typeface="Apple SD Gothic Neo" panose="02000300000000000000" pitchFamily="2" charset="-127"/>
+                          <a:ea typeface="Apple SD Gothic Neo" panose="02000300000000000000" pitchFamily="2" charset="-127"/>
+                        </a:rPr>
+                        <a:t>Fixed1000</a:t>
+                      </a:r>
+                    </a:p>
+                  </a:txBody>
+                  <a:tcPr marL="74295" marR="74295" marT="37148" marB="37148"/>
+                </a:tc>
+                <a:tc>
+                  <a:txBody>
+                    <a:bodyPr/>
+                    <a:lstStyle/>
+                    <a:p>
+                      <a:r>
+                        <a:rPr lang="en-US" sz="1500">
+                          <a:latin typeface="Apple SD Gothic Neo" panose="02000300000000000000" pitchFamily="2" charset="-127"/>
+                          <a:ea typeface="Apple SD Gothic Neo" panose="02000300000000000000" pitchFamily="2" charset="-127"/>
+                        </a:rPr>
+                        <a:t>Random1000</a:t>
+                      </a:r>
+                    </a:p>
+                  </a:txBody>
+                  <a:tcPr marL="74295" marR="74295" marT="37148" marB="37148"/>
+                </a:tc>
+                <a:extLst>
+                  <a:ext uri="{0D108BD9-81ED-4DB2-BD59-A6C34878D82A}">
+                    <a16:rowId xmlns:a16="http://schemas.microsoft.com/office/drawing/2014/main" val="2152282549"/>
+                  </a:ext>
+                </a:extLst>
+              </a:tr>
+              <a:tr h="336261">
+                <a:tc>
+                  <a:txBody>
+                    <a:bodyPr/>
+                    <a:lstStyle/>
+                    <a:p>
+                      <a:r>
+                        <a:rPr lang="en-US" sz="1050" b="1" err="1">
+                          <a:latin typeface="Apple SD Gothic Neo" panose="02000300000000000000" pitchFamily="2" charset="-127"/>
+                          <a:ea typeface="Apple SD Gothic Neo" panose="02000300000000000000" pitchFamily="2" charset="-127"/>
+                        </a:rPr>
+                        <a:t>Best_Valid</a:t>
+                      </a:r>
+                      <a:endParaRPr lang="en-US" sz="1050" b="1">
+                        <a:latin typeface="Apple SD Gothic Neo" panose="02000300000000000000" pitchFamily="2" charset="-127"/>
+                        <a:ea typeface="Apple SD Gothic Neo" panose="02000300000000000000" pitchFamily="2" charset="-127"/>
+                      </a:endParaRPr>
+                    </a:p>
+                  </a:txBody>
+                  <a:tcPr marL="74295" marR="74295" marT="37148" marB="37148" anchor="ctr"/>
+                </a:tc>
+                <a:tc>
+                  <a:txBody>
+                    <a:bodyPr/>
+                    <a:lstStyle/>
+                    <a:p>
+                      <a:pPr marL="0" marR="0" lvl="0" indent="0" algn="l" defTabSz="914400" rtl="0" eaLnBrk="1" fontAlgn="auto" latinLnBrk="0" hangingPunct="1">
+                        <a:lnSpc>
+                          <a:spcPct val="100000"/>
+                        </a:lnSpc>
+                        <a:spcBef>
+                          <a:spcPts val="0"/>
+                        </a:spcBef>
+                        <a:spcAft>
+                          <a:spcPts val="0"/>
+                        </a:spcAft>
+                        <a:buClrTx/>
+                        <a:buSzTx/>
+                        <a:buFontTx/>
+                        <a:buNone/>
+                        <a:tabLst/>
+                        <a:defRPr/>
+                      </a:pPr>
+                      <a:endParaRPr lang="en-US" sz="1400" dirty="0">
+                        <a:latin typeface="Apple SD Gothic Neo" panose="02000300000000000000" pitchFamily="2" charset="-127"/>
+                        <a:ea typeface="Apple SD Gothic Neo" panose="02000300000000000000" pitchFamily="2" charset="-127"/>
+                      </a:endParaRPr>
+                    </a:p>
+                  </a:txBody>
+                  <a:tcPr marL="74295" marR="74295" marT="37148" marB="37148" anchor="ctr"/>
+                </a:tc>
+                <a:tc>
+                  <a:txBody>
+                    <a:bodyPr/>
+                    <a:lstStyle/>
+                    <a:p>
+                      <a:pPr marL="0" marR="0" lvl="0" indent="0" algn="l" defTabSz="914400" rtl="0" eaLnBrk="1" fontAlgn="auto" latinLnBrk="0" hangingPunct="1">
+                        <a:lnSpc>
+                          <a:spcPct val="100000"/>
+                        </a:lnSpc>
+                        <a:spcBef>
+                          <a:spcPts val="0"/>
+                        </a:spcBef>
+                        <a:spcAft>
+                          <a:spcPts val="0"/>
+                        </a:spcAft>
+                        <a:buClrTx/>
+                        <a:buSzTx/>
+                        <a:buFontTx/>
+                        <a:buNone/>
+                        <a:tabLst/>
+                        <a:defRPr/>
+                      </a:pPr>
+                      <a:endParaRPr lang="en-US" sz="1400" dirty="0">
+                        <a:latin typeface="Apple SD Gothic Neo" panose="02000300000000000000" pitchFamily="2" charset="-127"/>
+                        <a:ea typeface="Apple SD Gothic Neo" panose="02000300000000000000" pitchFamily="2" charset="-127"/>
+                      </a:endParaRPr>
+                    </a:p>
+                  </a:txBody>
+                  <a:tcPr marL="74295" marR="74295" marT="37148" marB="37148" anchor="ctr"/>
+                </a:tc>
+                <a:extLst>
+                  <a:ext uri="{0D108BD9-81ED-4DB2-BD59-A6C34878D82A}">
+                    <a16:rowId xmlns:a16="http://schemas.microsoft.com/office/drawing/2014/main" val="3463423014"/>
+                  </a:ext>
+                </a:extLst>
+              </a:tr>
+              <a:tr h="336261">
+                <a:tc>
+                  <a:txBody>
+                    <a:bodyPr/>
+                    <a:lstStyle/>
+                    <a:p>
+                      <a:r>
+                        <a:rPr lang="en-US" sz="1050" b="1" err="1">
+                          <a:latin typeface="Apple SD Gothic Neo" panose="02000300000000000000" pitchFamily="2" charset="-127"/>
+                          <a:ea typeface="Apple SD Gothic Neo" panose="02000300000000000000" pitchFamily="2" charset="-127"/>
+                        </a:rPr>
+                        <a:t>Best_Train</a:t>
+                      </a:r>
+                      <a:endParaRPr lang="en-US" sz="1050" b="1">
+                        <a:latin typeface="Apple SD Gothic Neo" panose="02000300000000000000" pitchFamily="2" charset="-127"/>
+                        <a:ea typeface="Apple SD Gothic Neo" panose="02000300000000000000" pitchFamily="2" charset="-127"/>
+                      </a:endParaRPr>
+                    </a:p>
+                  </a:txBody>
+                  <a:tcPr marL="74295" marR="74295" marT="37148" marB="37148" anchor="ctr"/>
+                </a:tc>
+                <a:tc>
+                  <a:txBody>
+                    <a:bodyPr/>
+                    <a:lstStyle/>
+                    <a:p>
+                      <a:pPr marL="0" marR="0" lvl="0" indent="0" algn="l" defTabSz="914400" rtl="0" eaLnBrk="1" fontAlgn="auto" latinLnBrk="0" hangingPunct="1">
+                        <a:lnSpc>
+                          <a:spcPct val="100000"/>
+                        </a:lnSpc>
+                        <a:spcBef>
+                          <a:spcPts val="0"/>
+                        </a:spcBef>
+                        <a:spcAft>
+                          <a:spcPts val="0"/>
+                        </a:spcAft>
+                        <a:buClrTx/>
+                        <a:buSzTx/>
+                        <a:buFontTx/>
+                        <a:buNone/>
+                        <a:tabLst/>
+                        <a:defRPr/>
+                      </a:pPr>
+                      <a:endParaRPr lang="en-US" sz="1400" dirty="0">
+                        <a:latin typeface="Apple SD Gothic Neo" panose="02000300000000000000" pitchFamily="2" charset="-127"/>
+                        <a:ea typeface="Apple SD Gothic Neo" panose="02000300000000000000" pitchFamily="2" charset="-127"/>
+                      </a:endParaRPr>
+                    </a:p>
+                  </a:txBody>
+                  <a:tcPr marL="74295" marR="74295" marT="37148" marB="37148" anchor="ctr"/>
+                </a:tc>
+                <a:tc>
+                  <a:txBody>
+                    <a:bodyPr/>
+                    <a:lstStyle/>
+                    <a:p>
+                      <a:pPr marL="0" marR="0" lvl="0" indent="0" algn="l" defTabSz="914400" rtl="0" eaLnBrk="1" fontAlgn="auto" latinLnBrk="0" hangingPunct="1">
+                        <a:lnSpc>
+                          <a:spcPct val="100000"/>
+                        </a:lnSpc>
+                        <a:spcBef>
+                          <a:spcPts val="0"/>
+                        </a:spcBef>
+                        <a:spcAft>
+                          <a:spcPts val="0"/>
+                        </a:spcAft>
+                        <a:buClrTx/>
+                        <a:buSzTx/>
+                        <a:buFontTx/>
+                        <a:buNone/>
+                        <a:tabLst/>
+                        <a:defRPr/>
+                      </a:pPr>
+                      <a:endParaRPr lang="en-US" sz="1400">
+                        <a:latin typeface="Apple SD Gothic Neo" panose="02000300000000000000" pitchFamily="2" charset="-127"/>
+                        <a:ea typeface="Apple SD Gothic Neo" panose="02000300000000000000" pitchFamily="2" charset="-127"/>
+                      </a:endParaRPr>
+                    </a:p>
+                  </a:txBody>
+                  <a:tcPr marL="74295" marR="74295" marT="37148" marB="37148" anchor="ctr"/>
+                </a:tc>
+                <a:extLst>
+                  <a:ext uri="{0D108BD9-81ED-4DB2-BD59-A6C34878D82A}">
+                    <a16:rowId xmlns:a16="http://schemas.microsoft.com/office/drawing/2014/main" val="3463998896"/>
+                  </a:ext>
+                </a:extLst>
+              </a:tr>
+              <a:tr h="336261">
+                <a:tc>
+                  <a:txBody>
+                    <a:bodyPr/>
+                    <a:lstStyle/>
+                    <a:p>
+                      <a:r>
+                        <a:rPr lang="en-US" sz="1050" b="1" err="1">
+                          <a:latin typeface="Apple SD Gothic Neo" panose="02000300000000000000" pitchFamily="2" charset="-127"/>
+                          <a:ea typeface="Apple SD Gothic Neo" panose="02000300000000000000" pitchFamily="2" charset="-127"/>
+                        </a:rPr>
+                        <a:t>Win_Model</a:t>
+                      </a:r>
+                      <a:endParaRPr lang="en-US" sz="1050" b="1">
+                        <a:latin typeface="Apple SD Gothic Neo" panose="02000300000000000000" pitchFamily="2" charset="-127"/>
+                        <a:ea typeface="Apple SD Gothic Neo" panose="02000300000000000000" pitchFamily="2" charset="-127"/>
+                      </a:endParaRPr>
+                    </a:p>
+                  </a:txBody>
+                  <a:tcPr marL="74295" marR="74295" marT="37148" marB="37148" anchor="ctr"/>
+                </a:tc>
+                <a:tc>
+                  <a:txBody>
+                    <a:bodyPr/>
+                    <a:lstStyle/>
+                    <a:p>
+                      <a:pPr marL="0" marR="0" lvl="0" indent="0" algn="l" defTabSz="914400" rtl="0" eaLnBrk="1" fontAlgn="auto" latinLnBrk="0" hangingPunct="1">
+                        <a:lnSpc>
+                          <a:spcPct val="100000"/>
+                        </a:lnSpc>
+                        <a:spcBef>
+                          <a:spcPts val="0"/>
+                        </a:spcBef>
+                        <a:spcAft>
+                          <a:spcPts val="0"/>
+                        </a:spcAft>
+                        <a:buClrTx/>
+                        <a:buSzTx/>
+                        <a:buFontTx/>
+                        <a:buNone/>
+                        <a:tabLst/>
+                        <a:defRPr/>
+                      </a:pPr>
+                      <a:endParaRPr lang="en-US" sz="1400" dirty="0">
+                        <a:latin typeface="Apple SD Gothic Neo" panose="02000300000000000000" pitchFamily="2" charset="-127"/>
+                        <a:ea typeface="Apple SD Gothic Neo" panose="02000300000000000000" pitchFamily="2" charset="-127"/>
+                      </a:endParaRPr>
+                    </a:p>
+                  </a:txBody>
+                  <a:tcPr marL="74295" marR="74295" marT="37148" marB="37148" anchor="ctr"/>
+                </a:tc>
+                <a:tc>
+                  <a:txBody>
+                    <a:bodyPr/>
+                    <a:lstStyle/>
+                    <a:p>
+                      <a:pPr marL="0" marR="0" lvl="0" indent="0" algn="l" defTabSz="914400" rtl="0" eaLnBrk="1" fontAlgn="auto" latinLnBrk="0" hangingPunct="1">
+                        <a:lnSpc>
+                          <a:spcPct val="100000"/>
+                        </a:lnSpc>
+                        <a:spcBef>
+                          <a:spcPts val="0"/>
+                        </a:spcBef>
+                        <a:spcAft>
+                          <a:spcPts val="0"/>
+                        </a:spcAft>
+                        <a:buClrTx/>
+                        <a:buSzTx/>
+                        <a:buFontTx/>
+                        <a:buNone/>
+                        <a:tabLst/>
+                        <a:defRPr/>
+                      </a:pPr>
+                      <a:endParaRPr lang="en-US" sz="1400" dirty="0">
+                        <a:latin typeface="Apple SD Gothic Neo" panose="02000300000000000000" pitchFamily="2" charset="-127"/>
+                        <a:ea typeface="Apple SD Gothic Neo" panose="02000300000000000000" pitchFamily="2" charset="-127"/>
+                      </a:endParaRPr>
+                    </a:p>
+                  </a:txBody>
+                  <a:tcPr marL="74295" marR="74295" marT="37148" marB="37148" anchor="ctr"/>
+                </a:tc>
+                <a:extLst>
+                  <a:ext uri="{0D108BD9-81ED-4DB2-BD59-A6C34878D82A}">
+                    <a16:rowId xmlns:a16="http://schemas.microsoft.com/office/drawing/2014/main" val="2556292370"/>
+                  </a:ext>
+                </a:extLst>
+              </a:tr>
+              <a:tr h="336261">
+                <a:tc>
+                  <a:txBody>
+                    <a:bodyPr/>
+                    <a:lstStyle/>
+                    <a:p>
+                      <a:r>
+                        <a:rPr lang="en-US" sz="1050" b="1" err="1">
+                          <a:latin typeface="Apple SD Gothic Neo" panose="02000300000000000000" pitchFamily="2" charset="-127"/>
+                          <a:ea typeface="Apple SD Gothic Neo" panose="02000300000000000000" pitchFamily="2" charset="-127"/>
+                        </a:rPr>
+                        <a:t>Latest_Model</a:t>
+                      </a:r>
+                      <a:endParaRPr lang="en-US" sz="1050" b="1">
+                        <a:latin typeface="Apple SD Gothic Neo" panose="02000300000000000000" pitchFamily="2" charset="-127"/>
+                        <a:ea typeface="Apple SD Gothic Neo" panose="02000300000000000000" pitchFamily="2" charset="-127"/>
+                      </a:endParaRPr>
+                    </a:p>
+                  </a:txBody>
+                  <a:tcPr marL="74295" marR="74295" marT="37148" marB="37148" anchor="ctr"/>
+                </a:tc>
+                <a:tc>
+                  <a:txBody>
+                    <a:bodyPr/>
+                    <a:lstStyle/>
+                    <a:p>
+                      <a:pPr marL="0" marR="0" lvl="0" indent="0" algn="l" defTabSz="914400" rtl="0" eaLnBrk="1" fontAlgn="auto" latinLnBrk="0" hangingPunct="1">
+                        <a:lnSpc>
+                          <a:spcPct val="100000"/>
+                        </a:lnSpc>
+                        <a:spcBef>
+                          <a:spcPts val="0"/>
+                        </a:spcBef>
+                        <a:spcAft>
+                          <a:spcPts val="0"/>
+                        </a:spcAft>
+                        <a:buClrTx/>
+                        <a:buSzTx/>
+                        <a:buFontTx/>
+                        <a:buNone/>
+                        <a:tabLst/>
+                        <a:defRPr/>
+                      </a:pPr>
+                      <a:endParaRPr lang="en-US" sz="1400" dirty="0">
+                        <a:latin typeface="Apple SD Gothic Neo" panose="02000300000000000000" pitchFamily="2" charset="-127"/>
+                        <a:ea typeface="Apple SD Gothic Neo" panose="02000300000000000000" pitchFamily="2" charset="-127"/>
+                      </a:endParaRPr>
+                    </a:p>
+                  </a:txBody>
+                  <a:tcPr marL="74295" marR="74295" marT="37148" marB="37148" anchor="ctr"/>
+                </a:tc>
+                <a:tc>
+                  <a:txBody>
+                    <a:bodyPr/>
+                    <a:lstStyle/>
+                    <a:p>
+                      <a:pPr marL="0" marR="0" lvl="0" indent="0" algn="l" defTabSz="914400" rtl="0" eaLnBrk="1" fontAlgn="auto" latinLnBrk="0" hangingPunct="1">
+                        <a:lnSpc>
+                          <a:spcPct val="100000"/>
+                        </a:lnSpc>
+                        <a:spcBef>
+                          <a:spcPts val="0"/>
+                        </a:spcBef>
+                        <a:spcAft>
+                          <a:spcPts val="0"/>
+                        </a:spcAft>
+                        <a:buClrTx/>
+                        <a:buSzTx/>
+                        <a:buFontTx/>
+                        <a:buNone/>
+                        <a:tabLst/>
+                        <a:defRPr/>
+                      </a:pPr>
+                      <a:endParaRPr lang="en-US" sz="1400" dirty="0">
+                        <a:latin typeface="Apple SD Gothic Neo" panose="02000300000000000000" pitchFamily="2" charset="-127"/>
+                        <a:ea typeface="Apple SD Gothic Neo" panose="02000300000000000000" pitchFamily="2" charset="-127"/>
+                      </a:endParaRPr>
+                    </a:p>
+                  </a:txBody>
+                  <a:tcPr marL="74295" marR="74295" marT="37148" marB="37148" anchor="ctr"/>
+                </a:tc>
+                <a:extLst>
+                  <a:ext uri="{0D108BD9-81ED-4DB2-BD59-A6C34878D82A}">
+                    <a16:rowId xmlns:a16="http://schemas.microsoft.com/office/drawing/2014/main" val="3555363882"/>
+                  </a:ext>
+                </a:extLst>
+              </a:tr>
+            </a:tbl>
+          </a:graphicData>
+        </a:graphic>
+      </p:graphicFrame>
+      <p:sp>
+        <p:nvSpPr>
+          <p:cNvPr id="18" name="Rectangle 17">
+            <a:extLst>
+              <a:ext uri="{FF2B5EF4-FFF2-40B4-BE49-F238E27FC236}">
+                <a16:creationId xmlns:a16="http://schemas.microsoft.com/office/drawing/2014/main" id="{0A085C24-F032-DBAF-5503-F5B754F79367}"/>
+              </a:ext>
+            </a:extLst>
+          </p:cNvPr>
+          <p:cNvSpPr/>
+          <p:nvPr/>
+        </p:nvSpPr>
+        <p:spPr>
+          <a:xfrm>
+            <a:off x="4059090" y="4652712"/>
+            <a:ext cx="5121531" cy="912506"/>
+          </a:xfrm>
+          <a:prstGeom prst="rect">
+            <a:avLst/>
+          </a:prstGeom>
+          <a:solidFill>
+            <a:srgbClr val="F7F7F7"/>
+          </a:solidFill>
+        </p:spPr>
+        <p:style>
+          <a:lnRef idx="2">
+            <a:schemeClr val="dk1">
+              <a:shade val="15000"/>
+            </a:schemeClr>
+          </a:lnRef>
+          <a:fillRef idx="1">
+            <a:schemeClr val="dk1"/>
+          </a:fillRef>
+          <a:effectRef idx="0">
+            <a:schemeClr val="dk1"/>
+          </a:effectRef>
+          <a:fontRef idx="minor">
+            <a:schemeClr val="lt1"/>
+          </a:fontRef>
+        </p:style>
+        <p:txBody>
+          <a:bodyPr rtlCol="0" anchor="ctr"/>
+          <a:lstStyle/>
+          <a:p>
+            <a:endParaRPr lang="en-US" sz="1100">
+              <a:solidFill>
+                <a:schemeClr val="tx1"/>
+              </a:solidFill>
+              <a:latin typeface="Apple SD Gothic Neo" panose="02000300000000000000" pitchFamily="2" charset="-127"/>
+              <a:ea typeface="Apple SD Gothic Neo" panose="02000300000000000000" pitchFamily="2" charset="-127"/>
+            </a:endParaRPr>
+          </a:p>
+        </p:txBody>
+      </p:sp>
+      <p:sp>
+        <p:nvSpPr>
+          <p:cNvPr id="19" name="Rectangle 18">
+            <a:extLst>
+              <a:ext uri="{FF2B5EF4-FFF2-40B4-BE49-F238E27FC236}">
+                <a16:creationId xmlns:a16="http://schemas.microsoft.com/office/drawing/2014/main" id="{50E6C40D-665C-49DD-2901-08F18447C87D}"/>
+              </a:ext>
+            </a:extLst>
+          </p:cNvPr>
+          <p:cNvSpPr/>
+          <p:nvPr/>
+        </p:nvSpPr>
+        <p:spPr>
+          <a:xfrm>
+            <a:off x="4059089" y="5652623"/>
+            <a:ext cx="5121531" cy="912506"/>
+          </a:xfrm>
+          <a:prstGeom prst="rect">
+            <a:avLst/>
+          </a:prstGeom>
+          <a:solidFill>
+            <a:srgbClr val="F7F7F7"/>
+          </a:solidFill>
+        </p:spPr>
+        <p:style>
+          <a:lnRef idx="2">
+            <a:schemeClr val="dk1">
+              <a:shade val="15000"/>
+            </a:schemeClr>
+          </a:lnRef>
+          <a:fillRef idx="1">
+            <a:schemeClr val="dk1"/>
+          </a:fillRef>
+          <a:effectRef idx="0">
+            <a:schemeClr val="dk1"/>
+          </a:effectRef>
+          <a:fontRef idx="minor">
+            <a:schemeClr val="lt1"/>
+          </a:fontRef>
+        </p:style>
+        <p:txBody>
+          <a:bodyPr rtlCol="0" anchor="ctr"/>
+          <a:lstStyle/>
+          <a:p>
+            <a:endParaRPr lang="en-US" sz="1100">
+              <a:solidFill>
+                <a:schemeClr val="tx1"/>
+              </a:solidFill>
+              <a:latin typeface="Apple SD Gothic Neo" panose="02000300000000000000" pitchFamily="2" charset="-127"/>
+              <a:ea typeface="Apple SD Gothic Neo" panose="02000300000000000000" pitchFamily="2" charset="-127"/>
+            </a:endParaRPr>
+          </a:p>
+        </p:txBody>
+      </p:sp>
+      <p:sp>
+        <p:nvSpPr>
+          <p:cNvPr id="23" name="Rectangle 22">
+            <a:extLst>
+              <a:ext uri="{FF2B5EF4-FFF2-40B4-BE49-F238E27FC236}">
+                <a16:creationId xmlns:a16="http://schemas.microsoft.com/office/drawing/2014/main" id="{DA736DE6-D733-DBF5-E8F6-7968D6467990}"/>
+              </a:ext>
+            </a:extLst>
+          </p:cNvPr>
+          <p:cNvSpPr/>
+          <p:nvPr/>
+        </p:nvSpPr>
+        <p:spPr>
+          <a:xfrm>
+            <a:off x="4059088" y="210535"/>
+            <a:ext cx="5121531" cy="310240"/>
+          </a:xfrm>
+          <a:prstGeom prst="rect">
+            <a:avLst/>
+          </a:prstGeom>
+          <a:solidFill>
+            <a:schemeClr val="tx1"/>
+          </a:solidFill>
+        </p:spPr>
+        <p:style>
+          <a:lnRef idx="2">
+            <a:schemeClr val="dk1">
+              <a:shade val="15000"/>
+            </a:schemeClr>
+          </a:lnRef>
+          <a:fillRef idx="1">
+            <a:schemeClr val="dk1"/>
+          </a:fillRef>
+          <a:effectRef idx="0">
+            <a:schemeClr val="dk1"/>
+          </a:effectRef>
+          <a:fontRef idx="minor">
+            <a:schemeClr val="lt1"/>
+          </a:fontRef>
+        </p:style>
+        <p:txBody>
+          <a:bodyPr rtlCol="0" anchor="ctr"/>
+          <a:lstStyle/>
+          <a:p>
+            <a:pPr algn="ctr"/>
+            <a:r>
+              <a:rPr lang="en-US" sz="1500" b="1">
+                <a:latin typeface="Apple SD Gothic Neo" panose="02000300000000000000" pitchFamily="2" charset="-127"/>
+                <a:ea typeface="Apple SD Gothic Neo" panose="02000300000000000000" pitchFamily="2" charset="-127"/>
+              </a:rPr>
+              <a:t>Imported Libraries and version</a:t>
+            </a:r>
+          </a:p>
+        </p:txBody>
+      </p:sp>
+      <p:pic>
+        <p:nvPicPr>
+          <p:cNvPr id="29" name="Picture 28">
+            <a:extLst>
+              <a:ext uri="{FF2B5EF4-FFF2-40B4-BE49-F238E27FC236}">
+                <a16:creationId xmlns:a16="http://schemas.microsoft.com/office/drawing/2014/main" id="{E5DBDC6C-E3A7-2D57-B717-2460FF89289C}"/>
+              </a:ext>
+            </a:extLst>
+          </p:cNvPr>
+          <p:cNvPicPr>
+            <a:picLocks noChangeAspect="1" noChangeArrowheads="1"/>
+          </p:cNvPicPr>
+          <p:nvPr/>
+        </p:nvPicPr>
+        <p:blipFill>
+          <a:blip r:embed="rId2"/>
+          <a:srcRect/>
+          <a:stretch/>
+        </p:blipFill>
+        <p:spPr bwMode="auto">
+          <a:xfrm>
+            <a:off x="9306411" y="2221077"/>
+            <a:ext cx="2796381" cy="2222764"/>
+          </a:xfrm>
+          <a:prstGeom prst="rect">
+            <a:avLst/>
+          </a:prstGeom>
+          <a:noFill/>
+          <a:extLst>
+            <a:ext uri="{909E8E84-426E-40DD-AFC4-6F175D3DCCD1}">
+              <a14:hiddenFill xmlns:a14="http://schemas.microsoft.com/office/drawing/2010/main">
+                <a:solidFill>
+                  <a:srgbClr val="FFFFFF"/>
+                </a:solidFill>
+              </a14:hiddenFill>
+            </a:ext>
+          </a:extLst>
+        </p:spPr>
+      </p:pic>
+      <p:pic>
+        <p:nvPicPr>
+          <p:cNvPr id="30" name="Picture 29">
+            <a:extLst>
+              <a:ext uri="{FF2B5EF4-FFF2-40B4-BE49-F238E27FC236}">
+                <a16:creationId xmlns:a16="http://schemas.microsoft.com/office/drawing/2014/main" id="{29B03C6E-CBA3-489F-D319-F73821D03CEA}"/>
+              </a:ext>
+            </a:extLst>
+          </p:cNvPr>
+          <p:cNvPicPr>
+            <a:picLocks noChangeAspect="1"/>
+          </p:cNvPicPr>
+          <p:nvPr/>
+        </p:nvPicPr>
+        <p:blipFill>
+          <a:blip r:embed="rId3"/>
+          <a:srcRect/>
+          <a:stretch/>
+        </p:blipFill>
+        <p:spPr>
+          <a:xfrm>
+            <a:off x="9356583" y="19891"/>
+            <a:ext cx="2692785" cy="2156216"/>
+          </a:xfrm>
+          <a:prstGeom prst="rect">
+            <a:avLst/>
+          </a:prstGeom>
+        </p:spPr>
+      </p:pic>
+      <p:pic>
+        <p:nvPicPr>
+          <p:cNvPr id="31" name="Picture 30">
+            <a:extLst>
+              <a:ext uri="{FF2B5EF4-FFF2-40B4-BE49-F238E27FC236}">
+                <a16:creationId xmlns:a16="http://schemas.microsoft.com/office/drawing/2014/main" id="{7601CFE6-AE3F-CD7D-CC83-3180701ADEBC}"/>
+              </a:ext>
+            </a:extLst>
+          </p:cNvPr>
+          <p:cNvPicPr>
+            <a:picLocks noChangeAspect="1" noChangeArrowheads="1"/>
+          </p:cNvPicPr>
+          <p:nvPr/>
+        </p:nvPicPr>
+        <p:blipFill>
+          <a:blip r:embed="rId4"/>
+          <a:srcRect/>
+          <a:stretch/>
+        </p:blipFill>
+        <p:spPr bwMode="auto">
+          <a:xfrm>
+            <a:off x="9380687" y="4624422"/>
+            <a:ext cx="2667139" cy="2120034"/>
+          </a:xfrm>
+          <a:prstGeom prst="rect">
+            <a:avLst/>
+          </a:prstGeom>
+          <a:noFill/>
+          <a:extLst>
+            <a:ext uri="{909E8E84-426E-40DD-AFC4-6F175D3DCCD1}">
+              <a14:hiddenFill xmlns:a14="http://schemas.microsoft.com/office/drawing/2010/main">
+                <a:solidFill>
+                  <a:srgbClr val="FFFFFF"/>
+                </a:solidFill>
+              </a14:hiddenFill>
+            </a:ext>
+          </a:extLst>
+        </p:spPr>
+      </p:pic>
+    </p:spTree>
+    <p:extLst>
+      <p:ext uri="{BB962C8B-B14F-4D97-AF65-F5344CB8AC3E}">
+        <p14:creationId xmlns:p14="http://schemas.microsoft.com/office/powerpoint/2010/main" val="1249759169"/>
       </p:ext>
     </p:extLst>
   </p:cSld>

--- a/Notes/Reult Anaylsis.pptx
+++ b/Notes/Reult Anaylsis.pptx
@@ -5,7 +5,7 @@
     <p:sldMasterId id="2147483648" r:id="rId1"/>
   </p:sldMasterIdLst>
   <p:notesMasterIdLst>
-    <p:notesMasterId r:id="rId12"/>
+    <p:notesMasterId r:id="rId13"/>
   </p:notesMasterIdLst>
   <p:sldIdLst>
     <p:sldId id="256" r:id="rId2"/>
@@ -18,6 +18,7 @@
     <p:sldId id="263" r:id="rId9"/>
     <p:sldId id="264" r:id="rId10"/>
     <p:sldId id="265" r:id="rId11"/>
+    <p:sldId id="266" r:id="rId12"/>
   </p:sldIdLst>
   <p:sldSz cx="12192000" cy="6858000"/>
   <p:notesSz cx="6858000" cy="9144000"/>
@@ -146,9 +147,13 @@
             <p14:sldId id="263"/>
             <p14:sldId id="264"/>
             <p14:sldId id="265"/>
+            <p14:sldId id="266"/>
           </p14:sldIdLst>
         </p14:section>
       </p14:sectionLst>
+    </p:ext>
+    <p:ext uri="{EFAFB233-063F-42B5-8137-9DF3F51BA10A}">
+      <p15:sldGuideLst xmlns:p15="http://schemas.microsoft.com/office/powerpoint/2012/main"/>
     </p:ext>
   </p:extLst>
 </p:presentation>
@@ -236,7 +241,7 @@
           <a:p>
             <a:fld id="{6386F26F-D603-A94F-83C9-6AA2E7FCE6F3}" type="datetimeFigureOut">
               <a:rPr lang="en-US" smtClean="0"/>
-              <a:t>5/25/24</a:t>
+              <a:t>7/16/24</a:t>
             </a:fld>
             <a:endParaRPr lang="en-US"/>
           </a:p>
@@ -839,6 +844,90 @@
 </p:notes>
 </file>
 
+<file path=ppt/notesSlides/notesSlide5.xml><?xml version="1.0" encoding="utf-8"?>
+<p:notes xmlns:a="http://schemas.openxmlformats.org/drawingml/2006/main" xmlns:r="http://schemas.openxmlformats.org/officeDocument/2006/relationships" xmlns:p="http://schemas.openxmlformats.org/presentationml/2006/main">
+  <p:cSld>
+    <p:spTree>
+      <p:nvGrpSpPr>
+        <p:cNvPr id="1" name=""/>
+        <p:cNvGrpSpPr/>
+        <p:nvPr/>
+      </p:nvGrpSpPr>
+      <p:grpSpPr>
+        <a:xfrm>
+          <a:off x="0" y="0"/>
+          <a:ext cx="0" cy="0"/>
+          <a:chOff x="0" y="0"/>
+          <a:chExt cx="0" cy="0"/>
+        </a:xfrm>
+      </p:grpSpPr>
+      <p:sp>
+        <p:nvSpPr>
+          <p:cNvPr id="2" name="Slide Image Placeholder 1"/>
+          <p:cNvSpPr>
+            <a:spLocks noGrp="1" noRot="1" noChangeAspect="1"/>
+          </p:cNvSpPr>
+          <p:nvPr>
+            <p:ph type="sldImg"/>
+          </p:nvPr>
+        </p:nvSpPr>
+        <p:spPr/>
+      </p:sp>
+      <p:sp>
+        <p:nvSpPr>
+          <p:cNvPr id="3" name="Notes Placeholder 2"/>
+          <p:cNvSpPr>
+            <a:spLocks noGrp="1"/>
+          </p:cNvSpPr>
+          <p:nvPr>
+            <p:ph type="body" idx="1"/>
+          </p:nvPr>
+        </p:nvSpPr>
+        <p:spPr/>
+        <p:txBody>
+          <a:bodyPr/>
+          <a:lstStyle/>
+          <a:p>
+            <a:endParaRPr lang="en-US" dirty="0"/>
+          </a:p>
+        </p:txBody>
+      </p:sp>
+      <p:sp>
+        <p:nvSpPr>
+          <p:cNvPr id="4" name="Slide Number Placeholder 3"/>
+          <p:cNvSpPr>
+            <a:spLocks noGrp="1"/>
+          </p:cNvSpPr>
+          <p:nvPr>
+            <p:ph type="sldNum" sz="quarter" idx="5"/>
+          </p:nvPr>
+        </p:nvSpPr>
+        <p:spPr/>
+        <p:txBody>
+          <a:bodyPr/>
+          <a:lstStyle/>
+          <a:p>
+            <a:fld id="{18A44D68-8C0E-2E4A-9364-B678B312C7FF}" type="slidenum">
+              <a:rPr lang="en-US" smtClean="0"/>
+              <a:t>11</a:t>
+            </a:fld>
+            <a:endParaRPr lang="en-US"/>
+          </a:p>
+        </p:txBody>
+      </p:sp>
+    </p:spTree>
+    <p:extLst>
+      <p:ext uri="{BB962C8B-B14F-4D97-AF65-F5344CB8AC3E}">
+        <p14:creationId xmlns:p14="http://schemas.microsoft.com/office/powerpoint/2010/main" val="3018087497"/>
+      </p:ext>
+    </p:extLst>
+  </p:cSld>
+  <p:clrMapOvr>
+    <a:masterClrMapping/>
+  </p:clrMapOvr>
+</p:notes>
+</file>
+
 <file path=ppt/slideLayouts/slideLayout1.xml><?xml version="1.0" encoding="utf-8"?>
 <p:sldLayout xmlns:a="http://schemas.openxmlformats.org/drawingml/2006/main" xmlns:r="http://schemas.openxmlformats.org/officeDocument/2006/relationships" xmlns:p="http://schemas.openxmlformats.org/presentationml/2006/main" type="title" preserve="1">
   <p:cSld name="Title Slide">
@@ -986,7 +1075,7 @@
           <a:p>
             <a:fld id="{89E9E38A-624C-9241-BF83-DD524BCA6B7F}" type="datetimeFigureOut">
               <a:rPr lang="en-US" smtClean="0"/>
-              <a:t>5/25/24</a:t>
+              <a:t>7/16/24</a:t>
             </a:fld>
             <a:endParaRPr lang="en-US"/>
           </a:p>
@@ -1184,7 +1273,7 @@
           <a:p>
             <a:fld id="{89E9E38A-624C-9241-BF83-DD524BCA6B7F}" type="datetimeFigureOut">
               <a:rPr lang="en-US" smtClean="0"/>
-              <a:t>5/25/24</a:t>
+              <a:t>7/16/24</a:t>
             </a:fld>
             <a:endParaRPr lang="en-US"/>
           </a:p>
@@ -1392,7 +1481,7 @@
           <a:p>
             <a:fld id="{89E9E38A-624C-9241-BF83-DD524BCA6B7F}" type="datetimeFigureOut">
               <a:rPr lang="en-US" smtClean="0"/>
-              <a:t>5/25/24</a:t>
+              <a:t>7/16/24</a:t>
             </a:fld>
             <a:endParaRPr lang="en-US"/>
           </a:p>
@@ -1590,7 +1679,7 @@
           <a:p>
             <a:fld id="{89E9E38A-624C-9241-BF83-DD524BCA6B7F}" type="datetimeFigureOut">
               <a:rPr lang="en-US" smtClean="0"/>
-              <a:t>5/25/24</a:t>
+              <a:t>7/16/24</a:t>
             </a:fld>
             <a:endParaRPr lang="en-US"/>
           </a:p>
@@ -1865,7 +1954,7 @@
           <a:p>
             <a:fld id="{89E9E38A-624C-9241-BF83-DD524BCA6B7F}" type="datetimeFigureOut">
               <a:rPr lang="en-US" smtClean="0"/>
-              <a:t>5/25/24</a:t>
+              <a:t>7/16/24</a:t>
             </a:fld>
             <a:endParaRPr lang="en-US"/>
           </a:p>
@@ -2130,7 +2219,7 @@
           <a:p>
             <a:fld id="{89E9E38A-624C-9241-BF83-DD524BCA6B7F}" type="datetimeFigureOut">
               <a:rPr lang="en-US" smtClean="0"/>
-              <a:t>5/25/24</a:t>
+              <a:t>7/16/24</a:t>
             </a:fld>
             <a:endParaRPr lang="en-US"/>
           </a:p>
@@ -2542,7 +2631,7 @@
           <a:p>
             <a:fld id="{89E9E38A-624C-9241-BF83-DD524BCA6B7F}" type="datetimeFigureOut">
               <a:rPr lang="en-US" smtClean="0"/>
-              <a:t>5/25/24</a:t>
+              <a:t>7/16/24</a:t>
             </a:fld>
             <a:endParaRPr lang="en-US"/>
           </a:p>
@@ -2683,7 +2772,7 @@
           <a:p>
             <a:fld id="{89E9E38A-624C-9241-BF83-DD524BCA6B7F}" type="datetimeFigureOut">
               <a:rPr lang="en-US" smtClean="0"/>
-              <a:t>5/25/24</a:t>
+              <a:t>7/16/24</a:t>
             </a:fld>
             <a:endParaRPr lang="en-US"/>
           </a:p>
@@ -2796,7 +2885,7 @@
           <a:p>
             <a:fld id="{89E9E38A-624C-9241-BF83-DD524BCA6B7F}" type="datetimeFigureOut">
               <a:rPr lang="en-US" smtClean="0"/>
-              <a:t>5/25/24</a:t>
+              <a:t>7/16/24</a:t>
             </a:fld>
             <a:endParaRPr lang="en-US"/>
           </a:p>
@@ -3107,7 +3196,7 @@
           <a:p>
             <a:fld id="{89E9E38A-624C-9241-BF83-DD524BCA6B7F}" type="datetimeFigureOut">
               <a:rPr lang="en-US" smtClean="0"/>
-              <a:t>5/25/24</a:t>
+              <a:t>7/16/24</a:t>
             </a:fld>
             <a:endParaRPr lang="en-US"/>
           </a:p>
@@ -3395,7 +3484,7 @@
           <a:p>
             <a:fld id="{89E9E38A-624C-9241-BF83-DD524BCA6B7F}" type="datetimeFigureOut">
               <a:rPr lang="en-US" smtClean="0"/>
-              <a:t>5/25/24</a:t>
+              <a:t>7/16/24</a:t>
             </a:fld>
             <a:endParaRPr lang="en-US"/>
           </a:p>
@@ -3636,7 +3725,7 @@
           <a:p>
             <a:fld id="{89E9E38A-624C-9241-BF83-DD524BCA6B7F}" type="datetimeFigureOut">
               <a:rPr lang="en-US" smtClean="0"/>
-              <a:t>5/25/24</a:t>
+              <a:t>7/16/24</a:t>
             </a:fld>
             <a:endParaRPr lang="en-US"/>
           </a:p>
@@ -7115,6 +7204,188 @@
 </p:sld>
 </file>
 
+<file path=ppt/slides/slide11.xml><?xml version="1.0" encoding="utf-8"?>
+<p:sld xmlns:a="http://schemas.openxmlformats.org/drawingml/2006/main" xmlns:r="http://schemas.openxmlformats.org/officeDocument/2006/relationships" xmlns:p="http://schemas.openxmlformats.org/presentationml/2006/main">
+  <p:cSld>
+    <p:spTree>
+      <p:nvGrpSpPr>
+        <p:cNvPr id="1" name=""/>
+        <p:cNvGrpSpPr/>
+        <p:nvPr/>
+      </p:nvGrpSpPr>
+      <p:grpSpPr>
+        <a:xfrm>
+          <a:off x="0" y="0"/>
+          <a:ext cx="0" cy="0"/>
+          <a:chOff x="0" y="0"/>
+          <a:chExt cx="0" cy="0"/>
+        </a:xfrm>
+      </p:grpSpPr>
+      <p:sp>
+        <p:nvSpPr>
+          <p:cNvPr id="2" name="Title 1">
+            <a:extLst>
+              <a:ext uri="{FF2B5EF4-FFF2-40B4-BE49-F238E27FC236}">
+                <a16:creationId xmlns:a16="http://schemas.microsoft.com/office/drawing/2014/main" id="{707926C2-F6EC-D341-B266-DA2FBD50C7C3}"/>
+              </a:ext>
+            </a:extLst>
+          </p:cNvPr>
+          <p:cNvSpPr>
+            <a:spLocks noGrp="1"/>
+          </p:cNvSpPr>
+          <p:nvPr>
+            <p:ph type="title"/>
+          </p:nvPr>
+        </p:nvSpPr>
+        <p:spPr/>
+        <p:txBody>
+          <a:bodyPr/>
+          <a:lstStyle/>
+          <a:p>
+            <a:endParaRPr lang="en-US"/>
+          </a:p>
+        </p:txBody>
+      </p:sp>
+      <p:sp>
+        <p:nvSpPr>
+          <p:cNvPr id="3" name="Content Placeholder 2">
+            <a:extLst>
+              <a:ext uri="{FF2B5EF4-FFF2-40B4-BE49-F238E27FC236}">
+                <a16:creationId xmlns:a16="http://schemas.microsoft.com/office/drawing/2014/main" id="{EC84A2D3-BDB3-19A1-BB26-F97DC5352ACB}"/>
+              </a:ext>
+            </a:extLst>
+          </p:cNvPr>
+          <p:cNvSpPr>
+            <a:spLocks noGrp="1"/>
+          </p:cNvSpPr>
+          <p:nvPr>
+            <p:ph idx="1"/>
+          </p:nvPr>
+        </p:nvSpPr>
+        <p:spPr/>
+        <p:txBody>
+          <a:bodyPr/>
+          <a:lstStyle/>
+          <a:p>
+            <a:endParaRPr lang="en-US" dirty="0"/>
+          </a:p>
+        </p:txBody>
+      </p:sp>
+      <p:pic>
+        <p:nvPicPr>
+          <p:cNvPr id="1026" name="Picture 2">
+            <a:extLst>
+              <a:ext uri="{FF2B5EF4-FFF2-40B4-BE49-F238E27FC236}">
+                <a16:creationId xmlns:a16="http://schemas.microsoft.com/office/drawing/2014/main" id="{9CF6BB7D-2B91-E981-3C8A-964A859F8D4A}"/>
+              </a:ext>
+            </a:extLst>
+          </p:cNvPr>
+          <p:cNvPicPr>
+            <a:picLocks noChangeAspect="1" noChangeArrowheads="1"/>
+          </p:cNvPicPr>
+          <p:nvPr/>
+        </p:nvPicPr>
+        <p:blipFill>
+          <a:blip r:embed="rId3">
+            <a:extLst>
+              <a:ext uri="{28A0092B-C50C-407E-A947-70E740481C1C}">
+                <a14:useLocalDpi xmlns:a14="http://schemas.microsoft.com/office/drawing/2010/main" val="0"/>
+              </a:ext>
+            </a:extLst>
+          </a:blip>
+          <a:srcRect/>
+          <a:stretch>
+            <a:fillRect/>
+          </a:stretch>
+        </p:blipFill>
+        <p:spPr bwMode="auto">
+          <a:xfrm>
+            <a:off x="2670872" y="500063"/>
+            <a:ext cx="6946900" cy="5524500"/>
+          </a:xfrm>
+          <a:prstGeom prst="rect">
+            <a:avLst/>
+          </a:prstGeom>
+          <a:noFill/>
+          <a:extLst>
+            <a:ext uri="{909E8E84-426E-40DD-AFC4-6F175D3DCCD1}">
+              <a14:hiddenFill xmlns:a14="http://schemas.microsoft.com/office/drawing/2010/main">
+                <a:solidFill>
+                  <a:srgbClr val="FFFFFF"/>
+                </a:solidFill>
+              </a14:hiddenFill>
+            </a:ext>
+          </a:extLst>
+        </p:spPr>
+      </p:pic>
+      <p:pic>
+        <p:nvPicPr>
+          <p:cNvPr id="1030" name="Picture 6">
+            <a:extLst>
+              <a:ext uri="{FF2B5EF4-FFF2-40B4-BE49-F238E27FC236}">
+                <a16:creationId xmlns:a16="http://schemas.microsoft.com/office/drawing/2014/main" id="{4996AF58-EDDA-74E1-D500-3E9A11BEEC8E}"/>
+              </a:ext>
+            </a:extLst>
+          </p:cNvPr>
+          <p:cNvPicPr>
+            <a:picLocks noChangeAspect="1" noChangeArrowheads="1"/>
+          </p:cNvPicPr>
+          <p:nvPr/>
+        </p:nvPicPr>
+        <p:blipFill>
+          <a:blip r:embed="rId4">
+            <a:duotone>
+              <a:schemeClr val="accent2">
+                <a:shade val="45000"/>
+                <a:satMod val="135000"/>
+              </a:schemeClr>
+              <a:prstClr val="white"/>
+            </a:duotone>
+            <a:alphaModFix amt="50000"/>
+            <a:extLst>
+              <a:ext uri="{28A0092B-C50C-407E-A947-70E740481C1C}">
+                <a14:useLocalDpi xmlns:a14="http://schemas.microsoft.com/office/drawing/2010/main" val="0"/>
+              </a:ext>
+            </a:extLst>
+          </a:blip>
+          <a:srcRect/>
+          <a:stretch>
+            <a:fillRect/>
+          </a:stretch>
+        </p:blipFill>
+        <p:spPr bwMode="auto">
+          <a:xfrm>
+            <a:off x="2670872" y="500063"/>
+            <a:ext cx="6946900" cy="5524500"/>
+          </a:xfrm>
+          <a:prstGeom prst="rect">
+            <a:avLst/>
+          </a:prstGeom>
+          <a:noFill/>
+          <a:extLst>
+            <a:ext uri="{909E8E84-426E-40DD-AFC4-6F175D3DCCD1}">
+              <a14:hiddenFill xmlns:a14="http://schemas.microsoft.com/office/drawing/2010/main">
+                <a:solidFill>
+                  <a:srgbClr val="FFFFFF"/>
+                </a:solidFill>
+              </a14:hiddenFill>
+            </a:ext>
+          </a:extLst>
+        </p:spPr>
+      </p:pic>
+    </p:spTree>
+    <p:extLst>
+      <p:ext uri="{BB962C8B-B14F-4D97-AF65-F5344CB8AC3E}">
+        <p14:creationId xmlns:p14="http://schemas.microsoft.com/office/powerpoint/2010/main" val="546042490"/>
+      </p:ext>
+    </p:extLst>
+  </p:cSld>
+  <p:clrMapOvr>
+    <a:masterClrMapping/>
+  </p:clrMapOvr>
+</p:sld>
+</file>
+
 <file path=ppt/slides/slide2.xml><?xml version="1.0" encoding="utf-8"?>
 <p:sld xmlns:a="http://schemas.openxmlformats.org/drawingml/2006/main" xmlns:r="http://schemas.openxmlformats.org/officeDocument/2006/relationships" xmlns:p="http://schemas.openxmlformats.org/presentationml/2006/main">
   <p:cSld>
@@ -9805,7 +10076,7 @@
       </p:grpSpPr>
       <p:pic>
         <p:nvPicPr>
-          <p:cNvPr id="5" name="Picture 4">
+          <p:cNvPr id="5" name="Content Placeholder 4">
             <a:extLst>
               <a:ext uri="{FF2B5EF4-FFF2-40B4-BE49-F238E27FC236}">
                 <a16:creationId xmlns:a16="http://schemas.microsoft.com/office/drawing/2014/main" id="{3C33FF93-823A-FDFF-F080-846CF01D865F}"/>
